--- a/presentations/AlexPletzerQuakeCoreMay2016.pptx
+++ b/presentations/AlexPletzerQuakeCoreMay2016.pptx
@@ -5,25 +5,32 @@
     <p:sldMasterId id="2147483648" r:id="rId1"/>
   </p:sldMasterIdLst>
   <p:notesMasterIdLst>
-    <p:notesMasterId r:id="rId12"/>
+    <p:notesMasterId r:id="rId10"/>
   </p:notesMasterIdLst>
   <p:handoutMasterIdLst>
-    <p:handoutMasterId r:id="rId13"/>
+    <p:handoutMasterId r:id="rId11"/>
   </p:handoutMasterIdLst>
   <p:sldIdLst>
     <p:sldId id="256" r:id="rId2"/>
-    <p:sldId id="260" r:id="rId3"/>
-    <p:sldId id="257" r:id="rId4"/>
-    <p:sldId id="258" r:id="rId5"/>
-    <p:sldId id="261" r:id="rId6"/>
-    <p:sldId id="259" r:id="rId7"/>
-    <p:sldId id="264" r:id="rId8"/>
-    <p:sldId id="262" r:id="rId9"/>
-    <p:sldId id="263" r:id="rId10"/>
-    <p:sldId id="265" r:id="rId11"/>
+    <p:sldId id="258" r:id="rId3"/>
+    <p:sldId id="266" r:id="rId4"/>
+    <p:sldId id="268" r:id="rId5"/>
+    <p:sldId id="271" r:id="rId6"/>
+    <p:sldId id="267" r:id="rId7"/>
+    <p:sldId id="269" r:id="rId8"/>
+    <p:sldId id="270" r:id="rId9"/>
   </p:sldIdLst>
   <p:sldSz cx="9144000" cy="5143500" type="screen16x9"/>
   <p:notesSz cx="6858000" cy="9144000"/>
+  <p:embeddedFontLst>
+    <p:embeddedFont>
+      <p:font typeface="Calibri" panose="020F0502020204030204" pitchFamily="34" charset="0"/>
+      <p:regular r:id="rId12"/>
+      <p:bold r:id="rId13"/>
+      <p:italic r:id="rId14"/>
+      <p:boldItalic r:id="rId15"/>
+    </p:embeddedFont>
+  </p:embeddedFontLst>
   <p:defaultTextStyle>
     <a:defPPr>
       <a:defRPr lang="en-US"/>
@@ -119,6 +126,136 @@
       </a:defRPr>
     </a:lvl9pPr>
   </p:defaultTextStyle>
+  <p:extLst>
+    <p:ext uri="{EFAFB233-063F-42B5-8137-9DF3F51BA10A}">
+      <p15:sldGuideLst xmlns:p15="http://schemas.microsoft.com/office/powerpoint/2012/main">
+        <p15:guide id="1" orient="horz" pos="3026">
+          <p15:clr>
+            <a:srgbClr val="A4A3A4"/>
+          </p15:clr>
+        </p15:guide>
+        <p15:guide id="2" orient="horz" pos="667">
+          <p15:clr>
+            <a:srgbClr val="A4A3A4"/>
+          </p15:clr>
+        </p15:guide>
+        <p15:guide id="3" orient="horz" pos="1620">
+          <p15:clr>
+            <a:srgbClr val="A4A3A4"/>
+          </p15:clr>
+        </p15:guide>
+        <p15:guide id="4" orient="horz" pos="142">
+          <p15:clr>
+            <a:srgbClr val="A4A3A4"/>
+          </p15:clr>
+        </p15:guide>
+        <p15:guide id="5" orient="horz" pos="885">
+          <p15:clr>
+            <a:srgbClr val="A4A3A4"/>
+          </p15:clr>
+        </p15:guide>
+        <p15:guide id="6" orient="horz" pos="272">
+          <p15:clr>
+            <a:srgbClr val="A4A3A4"/>
+          </p15:clr>
+        </p15:guide>
+        <p15:guide id="7" orient="horz" pos="2907">
+          <p15:clr>
+            <a:srgbClr val="A4A3A4"/>
+          </p15:clr>
+        </p15:guide>
+        <p15:guide id="8" pos="2950">
+          <p15:clr>
+            <a:srgbClr val="A4A3A4"/>
+          </p15:clr>
+        </p15:guide>
+        <p15:guide id="9" pos="5631">
+          <p15:clr>
+            <a:srgbClr val="A4A3A4"/>
+          </p15:clr>
+        </p15:guide>
+        <p15:guide id="10" pos="4357">
+          <p15:clr>
+            <a:srgbClr val="A4A3A4"/>
+          </p15:clr>
+        </p15:guide>
+        <p15:guide id="11" pos="1411">
+          <p15:clr>
+            <a:srgbClr val="A4A3A4"/>
+          </p15:clr>
+        </p15:guide>
+        <p15:guide id="12" pos="133">
+          <p15:clr>
+            <a:srgbClr val="A4A3A4"/>
+          </p15:clr>
+        </p15:guide>
+        <p15:guide id="13" pos="1274">
+          <p15:clr>
+            <a:srgbClr val="A4A3A4"/>
+          </p15:clr>
+        </p15:guide>
+        <p15:guide id="14" pos="2109">
+          <p15:clr>
+            <a:srgbClr val="A4A3A4"/>
+          </p15:clr>
+        </p15:guide>
+        <p15:guide id="15" pos="2258">
+          <p15:clr>
+            <a:srgbClr val="A4A3A4"/>
+          </p15:clr>
+        </p15:guide>
+        <p15:guide id="16" pos="2814">
+          <p15:clr>
+            <a:srgbClr val="A4A3A4"/>
+          </p15:clr>
+        </p15:guide>
+        <p15:guide id="17" pos="3656">
+          <p15:clr>
+            <a:srgbClr val="A4A3A4"/>
+          </p15:clr>
+        </p15:guide>
+        <p15:guide id="18" pos="4212">
+          <p15:clr>
+            <a:srgbClr val="A4A3A4"/>
+          </p15:clr>
+        </p15:guide>
+        <p15:guide id="19" pos="4926">
+          <p15:clr>
+            <a:srgbClr val="A4A3A4"/>
+          </p15:clr>
+        </p15:guide>
+        <p15:guide id="20" pos="5064">
+          <p15:clr>
+            <a:srgbClr val="A4A3A4"/>
+          </p15:clr>
+        </p15:guide>
+        <p15:guide id="21" pos="3520">
+          <p15:clr>
+            <a:srgbClr val="A4A3A4"/>
+          </p15:clr>
+        </p15:guide>
+        <p15:guide id="22" pos="1549">
+          <p15:clr>
+            <a:srgbClr val="A4A3A4"/>
+          </p15:clr>
+        </p15:guide>
+      </p15:sldGuideLst>
+    </p:ext>
+    <p:ext uri="{2D200454-40CA-4A62-9FC3-DE9A4176ACB9}">
+      <p15:notesGuideLst xmlns:p15="http://schemas.microsoft.com/office/powerpoint/2012/main">
+        <p15:guide id="1" orient="horz" pos="2880">
+          <p15:clr>
+            <a:srgbClr val="A4A3A4"/>
+          </p15:clr>
+        </p15:guide>
+        <p15:guide id="2" pos="2160">
+          <p15:clr>
+            <a:srgbClr val="A4A3A4"/>
+          </p15:clr>
+        </p15:guide>
+      </p15:notesGuideLst>
+    </p:ext>
+  </p:extLst>
 </p:presentation>
 </file>
 
@@ -204,7 +341,7 @@
           <a:p>
             <a:fld id="{4D0FE22D-5DFE-43A1-A71B-B1F754D8911E}" type="datetimeFigureOut">
               <a:rPr lang="en-NZ" smtClean="0"/>
-              <a:t>26/06/14</a:t>
+              <a:t>20/05/2016</a:t>
             </a:fld>
             <a:endParaRPr lang="en-NZ"/>
           </a:p>
@@ -369,7 +506,7 @@
           <a:p>
             <a:fld id="{89EF217E-D340-40A1-9E22-8746B5AD3DC8}" type="datetimeFigureOut">
               <a:rPr lang="en-NZ" smtClean="0"/>
-              <a:t>26/06/14</a:t>
+              <a:t>20/05/2016</a:t>
             </a:fld>
             <a:endParaRPr lang="en-NZ"/>
           </a:p>
@@ -795,7 +932,7 @@
     </p:spTree>
     <p:extLst>
       <p:ext uri="{BB962C8B-B14F-4D97-AF65-F5344CB8AC3E}">
-        <p14:creationId xmlns:p14="http://schemas.microsoft.com/office/powerpoint/2010/main" val="3912973947"/>
+        <p14:creationId xmlns:p14="http://schemas.microsoft.com/office/powerpoint/2010/main" val="4080201414"/>
       </p:ext>
     </p:extLst>
   </p:cSld>
@@ -870,7 +1007,7 @@
           <a:p>
             <a:fld id="{D2016B89-44B6-4BF9-8F43-9DCACC136F8D}" type="slidenum">
               <a:rPr lang="en-NZ" smtClean="0"/>
-              <a:t>4</a:t>
+              <a:t>3</a:t>
             </a:fld>
             <a:endParaRPr lang="en-NZ"/>
           </a:p>
@@ -879,7 +1016,7 @@
     </p:spTree>
     <p:extLst>
       <p:ext uri="{BB962C8B-B14F-4D97-AF65-F5344CB8AC3E}">
-        <p14:creationId xmlns:p14="http://schemas.microsoft.com/office/powerpoint/2010/main" val="4080201414"/>
+        <p14:creationId xmlns:p14="http://schemas.microsoft.com/office/powerpoint/2010/main" val="2186734111"/>
       </p:ext>
     </p:extLst>
   </p:cSld>
@@ -954,7 +1091,7 @@
           <a:p>
             <a:fld id="{D2016B89-44B6-4BF9-8F43-9DCACC136F8D}" type="slidenum">
               <a:rPr lang="en-NZ" smtClean="0"/>
-              <a:t>5</a:t>
+              <a:t>4</a:t>
             </a:fld>
             <a:endParaRPr lang="en-NZ"/>
           </a:p>
@@ -963,7 +1100,7 @@
     </p:spTree>
     <p:extLst>
       <p:ext uri="{BB962C8B-B14F-4D97-AF65-F5344CB8AC3E}">
-        <p14:creationId xmlns:p14="http://schemas.microsoft.com/office/powerpoint/2010/main" val="4080201414"/>
+        <p14:creationId xmlns:p14="http://schemas.microsoft.com/office/powerpoint/2010/main" val="3094989530"/>
       </p:ext>
     </p:extLst>
   </p:cSld>
@@ -1038,7 +1175,7 @@
           <a:p>
             <a:fld id="{D2016B89-44B6-4BF9-8F43-9DCACC136F8D}" type="slidenum">
               <a:rPr lang="en-NZ" smtClean="0"/>
-              <a:t>6</a:t>
+              <a:t>5</a:t>
             </a:fld>
             <a:endParaRPr lang="en-NZ"/>
           </a:p>
@@ -1047,7 +1184,7 @@
     </p:spTree>
     <p:extLst>
       <p:ext uri="{BB962C8B-B14F-4D97-AF65-F5344CB8AC3E}">
-        <p14:creationId xmlns:p14="http://schemas.microsoft.com/office/powerpoint/2010/main" val="4080201414"/>
+        <p14:creationId xmlns:p14="http://schemas.microsoft.com/office/powerpoint/2010/main" val="2799885332"/>
       </p:ext>
     </p:extLst>
   </p:cSld>
@@ -1122,7 +1259,7 @@
           <a:p>
             <a:fld id="{D2016B89-44B6-4BF9-8F43-9DCACC136F8D}" type="slidenum">
               <a:rPr lang="en-NZ" smtClean="0"/>
-              <a:t>7</a:t>
+              <a:t>6</a:t>
             </a:fld>
             <a:endParaRPr lang="en-NZ"/>
           </a:p>
@@ -1131,7 +1268,7 @@
     </p:spTree>
     <p:extLst>
       <p:ext uri="{BB962C8B-B14F-4D97-AF65-F5344CB8AC3E}">
-        <p14:creationId xmlns:p14="http://schemas.microsoft.com/office/powerpoint/2010/main" val="496946622"/>
+        <p14:creationId xmlns:p14="http://schemas.microsoft.com/office/powerpoint/2010/main" val="870830850"/>
       </p:ext>
     </p:extLst>
   </p:cSld>
@@ -1206,7 +1343,7 @@
           <a:p>
             <a:fld id="{D2016B89-44B6-4BF9-8F43-9DCACC136F8D}" type="slidenum">
               <a:rPr lang="en-NZ" smtClean="0"/>
-              <a:t>9</a:t>
+              <a:t>7</a:t>
             </a:fld>
             <a:endParaRPr lang="en-NZ"/>
           </a:p>
@@ -1215,7 +1352,91 @@
     </p:spTree>
     <p:extLst>
       <p:ext uri="{BB962C8B-B14F-4D97-AF65-F5344CB8AC3E}">
-        <p14:creationId xmlns:p14="http://schemas.microsoft.com/office/powerpoint/2010/main" val="4080201414"/>
+        <p14:creationId xmlns:p14="http://schemas.microsoft.com/office/powerpoint/2010/main" val="1513597093"/>
+      </p:ext>
+    </p:extLst>
+  </p:cSld>
+  <p:clrMapOvr>
+    <a:masterClrMapping/>
+  </p:clrMapOvr>
+</p:notes>
+</file>
+
+<file path=ppt/notesSlides/notesSlide8.xml><?xml version="1.0" encoding="utf-8"?>
+<p:notes xmlns:a="http://schemas.openxmlformats.org/drawingml/2006/main" xmlns:r="http://schemas.openxmlformats.org/officeDocument/2006/relationships" xmlns:p="http://schemas.openxmlformats.org/presentationml/2006/main">
+  <p:cSld>
+    <p:spTree>
+      <p:nvGrpSpPr>
+        <p:cNvPr id="1" name=""/>
+        <p:cNvGrpSpPr/>
+        <p:nvPr/>
+      </p:nvGrpSpPr>
+      <p:grpSpPr>
+        <a:xfrm>
+          <a:off x="0" y="0"/>
+          <a:ext cx="0" cy="0"/>
+          <a:chOff x="0" y="0"/>
+          <a:chExt cx="0" cy="0"/>
+        </a:xfrm>
+      </p:grpSpPr>
+      <p:sp>
+        <p:nvSpPr>
+          <p:cNvPr id="2" name="Slide Image Placeholder 1"/>
+          <p:cNvSpPr>
+            <a:spLocks noGrp="1" noRot="1" noChangeAspect="1"/>
+          </p:cNvSpPr>
+          <p:nvPr>
+            <p:ph type="sldImg"/>
+          </p:nvPr>
+        </p:nvSpPr>
+        <p:spPr/>
+      </p:sp>
+      <p:sp>
+        <p:nvSpPr>
+          <p:cNvPr id="3" name="Notes Placeholder 2"/>
+          <p:cNvSpPr>
+            <a:spLocks noGrp="1"/>
+          </p:cNvSpPr>
+          <p:nvPr>
+            <p:ph type="body" idx="1"/>
+          </p:nvPr>
+        </p:nvSpPr>
+        <p:spPr/>
+        <p:txBody>
+          <a:bodyPr/>
+          <a:lstStyle/>
+          <a:p>
+            <a:endParaRPr lang="en-NZ" dirty="0"/>
+          </a:p>
+        </p:txBody>
+      </p:sp>
+      <p:sp>
+        <p:nvSpPr>
+          <p:cNvPr id="4" name="Slide Number Placeholder 3"/>
+          <p:cNvSpPr>
+            <a:spLocks noGrp="1"/>
+          </p:cNvSpPr>
+          <p:nvPr>
+            <p:ph type="sldNum" sz="quarter" idx="10"/>
+          </p:nvPr>
+        </p:nvSpPr>
+        <p:spPr/>
+        <p:txBody>
+          <a:bodyPr/>
+          <a:lstStyle/>
+          <a:p>
+            <a:fld id="{D2016B89-44B6-4BF9-8F43-9DCACC136F8D}" type="slidenum">
+              <a:rPr lang="en-NZ" smtClean="0"/>
+              <a:t>8</a:t>
+            </a:fld>
+            <a:endParaRPr lang="en-NZ"/>
+          </a:p>
+        </p:txBody>
+      </p:sp>
+    </p:spTree>
+    <p:extLst>
+      <p:ext uri="{BB962C8B-B14F-4D97-AF65-F5344CB8AC3E}">
+        <p14:creationId xmlns:p14="http://schemas.microsoft.com/office/powerpoint/2010/main" val="4154523266"/>
       </p:ext>
     </p:extLst>
   </p:cSld>
@@ -1465,7 +1686,7 @@
   <p:timing>
     <p:tnLst>
       <p:par>
-        <p:cTn xmlns:p14="http://schemas.microsoft.com/office/powerpoint/2010/main" id="1" dur="indefinite" restart="never" nodeType="tmRoot"/>
+        <p:cTn id="1" dur="indefinite" restart="never" nodeType="tmRoot"/>
       </p:par>
     </p:tnLst>
   </p:timing>
@@ -2352,7 +2573,7 @@
           <a:p>
             <a:fld id="{5BA1702A-3AAF-48B8-80F6-9E8C08FF3463}" type="datetime1">
               <a:rPr lang="en-NZ" smtClean="0"/>
-              <a:t>26/06/14</a:t>
+              <a:t>20/05/2016</a:t>
             </a:fld>
             <a:endParaRPr lang="en-NZ" dirty="0"/>
           </a:p>
@@ -2434,7 +2655,7 @@
   <p:timing>
     <p:tnLst>
       <p:par>
-        <p:cTn xmlns:p14="http://schemas.microsoft.com/office/powerpoint/2010/main" id="1" dur="indefinite" restart="never" nodeType="tmRoot"/>
+        <p:cTn id="1" dur="indefinite" restart="never" nodeType="tmRoot"/>
       </p:par>
     </p:tnLst>
   </p:timing>
@@ -3324,7 +3545,7 @@
           <a:p>
             <a:fld id="{FF5CB252-C2B3-494B-8D8B-6A9C5489989C}" type="datetime1">
               <a:rPr lang="en-NZ" smtClean="0"/>
-              <a:t>26/06/14</a:t>
+              <a:t>20/05/2016</a:t>
             </a:fld>
             <a:endParaRPr lang="en-NZ" dirty="0"/>
           </a:p>
@@ -3406,7 +3627,7 @@
   <p:timing>
     <p:tnLst>
       <p:par>
-        <p:cTn xmlns:p14="http://schemas.microsoft.com/office/powerpoint/2010/main" id="1" dur="indefinite" restart="never" nodeType="tmRoot"/>
+        <p:cTn id="1" dur="indefinite" restart="never" nodeType="tmRoot"/>
       </p:par>
     </p:tnLst>
   </p:timing>
@@ -4296,7 +4517,7 @@
           <a:p>
             <a:fld id="{0695A2A2-F0BA-4AC2-B2E5-A5B8CDBECBE6}" type="datetime1">
               <a:rPr lang="en-NZ" smtClean="0"/>
-              <a:t>26/06/14</a:t>
+              <a:t>20/05/2016</a:t>
             </a:fld>
             <a:endParaRPr lang="en-NZ" dirty="0"/>
           </a:p>
@@ -4378,7 +4599,7 @@
   <p:timing>
     <p:tnLst>
       <p:par>
-        <p:cTn xmlns:p14="http://schemas.microsoft.com/office/powerpoint/2010/main" id="1" dur="indefinite" restart="never" nodeType="tmRoot"/>
+        <p:cTn id="1" dur="indefinite" restart="never" nodeType="tmRoot"/>
       </p:par>
     </p:tnLst>
   </p:timing>
@@ -5268,7 +5489,7 @@
           <a:p>
             <a:fld id="{17403E98-EB8C-4B56-BDEA-1755091E897C}" type="datetime1">
               <a:rPr lang="en-NZ" smtClean="0"/>
-              <a:t>26/06/14</a:t>
+              <a:t>20/05/2016</a:t>
             </a:fld>
             <a:endParaRPr lang="en-NZ" dirty="0"/>
           </a:p>
@@ -5350,7 +5571,7 @@
   <p:timing>
     <p:tnLst>
       <p:par>
-        <p:cTn xmlns:p14="http://schemas.microsoft.com/office/powerpoint/2010/main" id="1" dur="indefinite" restart="never" nodeType="tmRoot"/>
+        <p:cTn id="1" dur="indefinite" restart="never" nodeType="tmRoot"/>
       </p:par>
     </p:tnLst>
   </p:timing>
@@ -6270,7 +6491,7 @@
           <a:p>
             <a:fld id="{215F0F70-7599-4263-B874-6725929C0292}" type="datetime1">
               <a:rPr lang="en-NZ" smtClean="0"/>
-              <a:t>26/06/14</a:t>
+              <a:t>20/05/2016</a:t>
             </a:fld>
             <a:endParaRPr lang="en-NZ" dirty="0"/>
           </a:p>
@@ -6289,7 +6510,7 @@
   <p:timing>
     <p:tnLst>
       <p:par>
-        <p:cTn xmlns:p14="http://schemas.microsoft.com/office/powerpoint/2010/main" id="1" dur="indefinite" restart="never" nodeType="tmRoot"/>
+        <p:cTn id="1" dur="indefinite" restart="never" nodeType="tmRoot"/>
       </p:par>
     </p:tnLst>
   </p:timing>
@@ -7257,7 +7478,7 @@
           <a:p>
             <a:fld id="{C75716A2-C553-477B-96FF-F259BE12D612}" type="datetime1">
               <a:rPr lang="en-NZ" smtClean="0"/>
-              <a:t>26/06/14</a:t>
+              <a:t>20/05/2016</a:t>
             </a:fld>
             <a:endParaRPr lang="en-NZ" dirty="0"/>
           </a:p>
@@ -7323,7 +7544,7 @@
   <p:timing>
     <p:tnLst>
       <p:par>
-        <p:cTn xmlns:p14="http://schemas.microsoft.com/office/powerpoint/2010/main" id="1" dur="indefinite" restart="never" nodeType="tmRoot"/>
+        <p:cTn id="1" dur="indefinite" restart="never" nodeType="tmRoot"/>
       </p:par>
     </p:tnLst>
   </p:timing>
@@ -8020,7 +8241,7 @@
           <a:p>
             <a:fld id="{B6EF3E81-E1E7-419D-AA26-4A46000385F6}" type="datetime1">
               <a:rPr lang="en-NZ" smtClean="0"/>
-              <a:t>26/06/14</a:t>
+              <a:t>20/05/2016</a:t>
             </a:fld>
             <a:endParaRPr lang="en-NZ" dirty="0"/>
           </a:p>
@@ -8086,7 +8307,7 @@
   <p:timing>
     <p:tnLst>
       <p:par>
-        <p:cTn xmlns:p14="http://schemas.microsoft.com/office/powerpoint/2010/main" id="1" dur="indefinite" restart="never" nodeType="tmRoot"/>
+        <p:cTn id="1" dur="indefinite" restart="never" nodeType="tmRoot"/>
       </p:par>
     </p:tnLst>
   </p:timing>
@@ -8673,7 +8894,7 @@
           <a:p>
             <a:fld id="{7C7328F1-D9F9-4A4E-A8F6-997289EFADD8}" type="datetime1">
               <a:rPr lang="en-NZ" smtClean="0"/>
-              <a:t>26/06/14</a:t>
+              <a:t>20/05/2016</a:t>
             </a:fld>
             <a:endParaRPr lang="en-NZ" dirty="0"/>
           </a:p>
@@ -8739,7 +8960,7 @@
   <p:timing>
     <p:tnLst>
       <p:par>
-        <p:cTn xmlns:p14="http://schemas.microsoft.com/office/powerpoint/2010/main" id="1" dur="indefinite" restart="never" nodeType="tmRoot"/>
+        <p:cTn id="1" dur="indefinite" restart="never" nodeType="tmRoot"/>
       </p:par>
     </p:tnLst>
   </p:timing>
@@ -9620,7 +9841,7 @@
           <a:p>
             <a:fld id="{A7471F0D-7B3E-4960-B4DB-1330ECC3574F}" type="datetime1">
               <a:rPr lang="en-NZ" smtClean="0"/>
-              <a:t>26/06/14</a:t>
+              <a:t>20/05/2016</a:t>
             </a:fld>
             <a:endParaRPr lang="en-NZ" dirty="0"/>
           </a:p>
@@ -9686,7 +9907,7 @@
   <p:timing>
     <p:tnLst>
       <p:par>
-        <p:cTn xmlns:p14="http://schemas.microsoft.com/office/powerpoint/2010/main" id="1" dur="indefinite" restart="never" nodeType="tmRoot"/>
+        <p:cTn id="1" dur="indefinite" restart="never" nodeType="tmRoot"/>
       </p:par>
     </p:tnLst>
   </p:timing>
@@ -10567,7 +10788,7 @@
           <a:p>
             <a:fld id="{8A84D66C-E806-433F-8035-CD21FD043EBF}" type="datetime1">
               <a:rPr lang="en-NZ" smtClean="0"/>
-              <a:t>26/06/14</a:t>
+              <a:t>20/05/2016</a:t>
             </a:fld>
             <a:endParaRPr lang="en-NZ" dirty="0"/>
           </a:p>
@@ -10633,7 +10854,7 @@
   <p:timing>
     <p:tnLst>
       <p:par>
-        <p:cTn xmlns:p14="http://schemas.microsoft.com/office/powerpoint/2010/main" id="1" dur="indefinite" restart="never" nodeType="tmRoot"/>
+        <p:cTn id="1" dur="indefinite" restart="never" nodeType="tmRoot"/>
       </p:par>
     </p:tnLst>
   </p:timing>
@@ -11514,7 +11735,7 @@
           <a:p>
             <a:fld id="{D1C4B99E-8BDA-40C0-B9F8-3DCF4A292351}" type="datetime1">
               <a:rPr lang="en-NZ" smtClean="0"/>
-              <a:t>26/06/14</a:t>
+              <a:t>20/05/2016</a:t>
             </a:fld>
             <a:endParaRPr lang="en-NZ" dirty="0"/>
           </a:p>
@@ -11580,7 +11801,7 @@
   <p:timing>
     <p:tnLst>
       <p:par>
-        <p:cTn xmlns:p14="http://schemas.microsoft.com/office/powerpoint/2010/main" id="1" dur="indefinite" restart="never" nodeType="tmRoot"/>
+        <p:cTn id="1" dur="indefinite" restart="never" nodeType="tmRoot"/>
       </p:par>
     </p:tnLst>
   </p:timing>
@@ -12461,7 +12682,7 @@
           <a:p>
             <a:fld id="{97E36C68-8BCD-4B1C-B193-72B304D438A4}" type="datetime1">
               <a:rPr lang="en-NZ" smtClean="0"/>
-              <a:t>26/06/14</a:t>
+              <a:t>20/05/2016</a:t>
             </a:fld>
             <a:endParaRPr lang="en-NZ" dirty="0"/>
           </a:p>
@@ -12527,7 +12748,7 @@
   <p:timing>
     <p:tnLst>
       <p:par>
-        <p:cTn xmlns:p14="http://schemas.microsoft.com/office/powerpoint/2010/main" id="1" dur="indefinite" restart="never" nodeType="tmRoot"/>
+        <p:cTn id="1" dur="indefinite" restart="never" nodeType="tmRoot"/>
       </p:par>
     </p:tnLst>
   </p:timing>
@@ -12945,7 +13166,7 @@
           <a:p>
             <a:fld id="{02507A83-22A3-4B8C-A525-104CB21411C0}" type="datetime1">
               <a:rPr lang="en-NZ" smtClean="0"/>
-              <a:t>26/06/14</a:t>
+              <a:t>20/05/2016</a:t>
             </a:fld>
             <a:endParaRPr lang="en-NZ" dirty="0"/>
           </a:p>
@@ -13194,7 +13415,7 @@
   <p:timing>
     <p:tnLst>
       <p:par>
-        <p:cTn xmlns:p14="http://schemas.microsoft.com/office/powerpoint/2010/main" id="1" dur="indefinite" restart="never" nodeType="tmRoot"/>
+        <p:cTn id="1" dur="indefinite" restart="never" nodeType="tmRoot"/>
       </p:par>
     </p:tnLst>
   </p:timing>
@@ -13529,28 +13750,94 @@
             <p:ph type="title"/>
           </p:nvPr>
         </p:nvSpPr>
-        <p:spPr/>
+        <p:spPr>
+          <a:xfrm>
+            <a:off x="1133819" y="353283"/>
+            <a:ext cx="6523037" cy="1100261"/>
+          </a:xfrm>
+        </p:spPr>
         <p:txBody>
           <a:bodyPr/>
           <a:lstStyle/>
           <a:p>
             <a:r>
+              <a:rPr lang="en-US" dirty="0" smtClean="0">
+                <a:latin typeface="Lato" panose="020F0502020204030203" pitchFamily="34" charset="0"/>
+              </a:rPr>
+              <a:t>Build</a:t>
+            </a:r>
+            <a:r>
               <a:rPr lang="en-US" dirty="0">
                 <a:latin typeface="Lato" panose="020F0502020204030203" pitchFamily="34" charset="0"/>
               </a:rPr>
-              <a:t>Growth &amp; development </a:t>
-            </a:r>
-            <a:br>
-              <a:rPr lang="en-US" dirty="0">
+              <a:t> </a:t>
+            </a:r>
+            <a:r>
+              <a:rPr lang="en-US" dirty="0" smtClean="0">
                 <a:latin typeface="Lato" panose="020F0502020204030203" pitchFamily="34" charset="0"/>
               </a:rPr>
-            </a:br>
-            <a:r>
-              <a:rPr lang="en-US" dirty="0">
+              <a:t>enhancements for </a:t>
+            </a:r>
+            <a:r>
+              <a:rPr lang="en-US" dirty="0" smtClean="0">
                 <a:latin typeface="Lato" panose="020F0502020204030203" pitchFamily="34" charset="0"/>
               </a:rPr>
-              <a:t>of future capabilities</a:t>
-            </a:r>
+              <a:t>EMOD3D</a:t>
+            </a:r>
+            <a:endParaRPr lang="en-US" dirty="0">
+              <a:latin typeface="Lato" panose="020F0502020204030203" pitchFamily="34" charset="0"/>
+            </a:endParaRPr>
+          </a:p>
+        </p:txBody>
+      </p:sp>
+      <p:sp>
+        <p:nvSpPr>
+          <p:cNvPr id="3" name="TextBox 2"/>
+          <p:cNvSpPr txBox="1"/>
+          <p:nvPr/>
+        </p:nvSpPr>
+        <p:spPr>
+          <a:xfrm>
+            <a:off x="2617304" y="2663687"/>
+            <a:ext cx="3355470" cy="1200329"/>
+          </a:xfrm>
+          <a:prstGeom prst="rect">
+            <a:avLst/>
+          </a:prstGeom>
+          <a:noFill/>
+        </p:spPr>
+        <p:txBody>
+          <a:bodyPr wrap="none" rtlCol="0">
+            <a:spAutoFit/>
+          </a:bodyPr>
+          <a:lstStyle/>
+          <a:p>
+            <a:pPr algn="ctr"/>
+            <a:r>
+              <a:rPr lang="en-NZ" dirty="0" smtClean="0"/>
+              <a:t>Alex Pletzer </a:t>
+            </a:r>
+          </a:p>
+          <a:p>
+            <a:pPr algn="ctr"/>
+            <a:r>
+              <a:rPr lang="en-NZ" dirty="0" smtClean="0">
+                <a:hlinkClick r:id="rId3"/>
+              </a:rPr>
+              <a:t>Alexander.Pletzer@nesi.org.nz</a:t>
+            </a:r>
+            <a:endParaRPr lang="en-NZ" dirty="0" smtClean="0"/>
+          </a:p>
+          <a:p>
+            <a:pPr algn="ctr"/>
+            <a:r>
+              <a:rPr lang="en-NZ" dirty="0" smtClean="0"/>
+              <a:t>May 23 2016</a:t>
+            </a:r>
+          </a:p>
+          <a:p>
+            <a:pPr algn="ctr"/>
+            <a:endParaRPr lang="en-NZ" dirty="0"/>
           </a:p>
         </p:txBody>
       </p:sp>
@@ -13567,147 +13854,7 @@
   <p:timing>
     <p:tnLst>
       <p:par>
-        <p:cTn xmlns:p14="http://schemas.microsoft.com/office/powerpoint/2010/main" id="1" dur="indefinite" restart="never" nodeType="tmRoot"/>
-      </p:par>
-    </p:tnLst>
-  </p:timing>
-</p:sld>
-</file>
-
-<file path=ppt/slides/slide10.xml><?xml version="1.0" encoding="utf-8"?>
-<p:sld xmlns:a="http://schemas.openxmlformats.org/drawingml/2006/main" xmlns:r="http://schemas.openxmlformats.org/officeDocument/2006/relationships" xmlns:p="http://schemas.openxmlformats.org/presentationml/2006/main">
-  <p:cSld>
-    <p:spTree>
-      <p:nvGrpSpPr>
-        <p:cNvPr id="1" name=""/>
-        <p:cNvGrpSpPr/>
-        <p:nvPr/>
-      </p:nvGrpSpPr>
-      <p:grpSpPr>
-        <a:xfrm>
-          <a:off x="0" y="0"/>
-          <a:ext cx="0" cy="0"/>
-          <a:chOff x="0" y="0"/>
-          <a:chExt cx="0" cy="0"/>
-        </a:xfrm>
-      </p:grpSpPr>
-      <p:sp>
-        <p:nvSpPr>
-          <p:cNvPr id="2" name="Slide Number Placeholder 1"/>
-          <p:cNvSpPr>
-            <a:spLocks noGrp="1"/>
-          </p:cNvSpPr>
-          <p:nvPr>
-            <p:ph type="sldNum" sz="quarter" idx="12"/>
-          </p:nvPr>
-        </p:nvSpPr>
-        <p:spPr>
-          <a:xfrm>
-            <a:off x="8711758" y="4876006"/>
-            <a:ext cx="216024" cy="126763"/>
-          </a:xfrm>
-        </p:spPr>
-        <p:txBody>
-          <a:bodyPr/>
-          <a:lstStyle/>
-          <a:p>
-            <a:fld id="{DA169597-45FD-48FB-A612-024FC3ACB8EE}" type="slidenum">
-              <a:rPr lang="en-NZ" smtClean="0"/>
-              <a:pPr/>
-              <a:t>10</a:t>
-            </a:fld>
-            <a:endParaRPr lang="en-NZ" dirty="0"/>
-          </a:p>
-        </p:txBody>
-      </p:sp>
-      <p:pic>
-        <p:nvPicPr>
-          <p:cNvPr id="7" name="Picture 6"/>
-          <p:cNvPicPr/>
-          <p:nvPr/>
-        </p:nvPicPr>
-        <p:blipFill rotWithShape="1">
-          <a:blip r:embed="rId2">
-            <a:extLst>
-              <a:ext uri="{28A0092B-C50C-407E-A947-70E740481C1C}">
-                <a14:useLocalDpi xmlns:a14="http://schemas.microsoft.com/office/drawing/2010/main" val="0"/>
-              </a:ext>
-            </a:extLst>
-          </a:blip>
-          <a:srcRect t="16715"/>
-          <a:stretch/>
-        </p:blipFill>
-        <p:spPr bwMode="auto">
-          <a:xfrm>
-            <a:off x="392115" y="680133"/>
-            <a:ext cx="8428036" cy="3728955"/>
-          </a:xfrm>
-          <a:prstGeom prst="rect">
-            <a:avLst/>
-          </a:prstGeom>
-          <a:noFill/>
-        </p:spPr>
-      </p:pic>
-      <p:sp>
-        <p:nvSpPr>
-          <p:cNvPr id="3" name="Footer Placeholder 2"/>
-          <p:cNvSpPr>
-            <a:spLocks noGrp="1"/>
-          </p:cNvSpPr>
-          <p:nvPr>
-            <p:ph type="ftr" sz="quarter" idx="11"/>
-          </p:nvPr>
-        </p:nvSpPr>
-        <p:spPr/>
-        <p:txBody>
-          <a:bodyPr/>
-          <a:lstStyle/>
-          <a:p>
-            <a:r>
-              <a:rPr lang="en-NZ" smtClean="0"/>
-              <a:t>Growth and  development of future capabilities</a:t>
-            </a:r>
-            <a:endParaRPr lang="en-NZ" dirty="0"/>
-          </a:p>
-        </p:txBody>
-      </p:sp>
-      <p:sp>
-        <p:nvSpPr>
-          <p:cNvPr id="4" name="Date Placeholder 3"/>
-          <p:cNvSpPr>
-            <a:spLocks noGrp="1"/>
-          </p:cNvSpPr>
-          <p:nvPr>
-            <p:ph type="dt" sz="half" idx="10"/>
-          </p:nvPr>
-        </p:nvSpPr>
-        <p:spPr/>
-        <p:txBody>
-          <a:bodyPr/>
-          <a:lstStyle/>
-          <a:p>
-            <a:fld id="{8DD4446A-5114-43CE-A8FE-ACA22F7481EC}" type="datetime1">
-              <a:rPr lang="en-NZ" smtClean="0"/>
-              <a:t>26/06/14</a:t>
-            </a:fld>
-            <a:endParaRPr lang="en-NZ" dirty="0"/>
-          </a:p>
-        </p:txBody>
-      </p:sp>
-    </p:spTree>
-    <p:extLst>
-      <p:ext uri="{BB962C8B-B14F-4D97-AF65-F5344CB8AC3E}">
-        <p14:creationId xmlns:p14="http://schemas.microsoft.com/office/powerpoint/2010/main" val="1904203352"/>
-      </p:ext>
-    </p:extLst>
-  </p:cSld>
-  <p:clrMapOvr>
-    <a:masterClrMapping/>
-  </p:clrMapOvr>
-  <p:timing>
-    <p:tnLst>
-      <p:par>
-        <p:cTn xmlns:p14="http://schemas.microsoft.com/office/powerpoint/2010/main" id="1" dur="indefinite" restart="never" nodeType="tmRoot"/>
+        <p:cTn id="1" dur="indefinite" restart="never" nodeType="tmRoot"/>
       </p:par>
     </p:tnLst>
   </p:timing>
@@ -13733,20 +13880,190 @@
       </p:grpSpPr>
       <p:sp>
         <p:nvSpPr>
+          <p:cNvPr id="7" name="Content Placeholder 6"/>
+          <p:cNvSpPr>
+            <a:spLocks noGrp="1"/>
+          </p:cNvSpPr>
+          <p:nvPr>
+            <p:ph idx="1"/>
+          </p:nvPr>
+        </p:nvSpPr>
+        <p:spPr>
+          <a:xfrm>
+            <a:off x="237094" y="1173026"/>
+            <a:ext cx="8091349" cy="3022600"/>
+          </a:xfrm>
+        </p:spPr>
+        <p:txBody>
+          <a:bodyPr>
+            <a:noAutofit/>
+          </a:bodyPr>
+          <a:lstStyle/>
+          <a:p>
+            <a:pPr marL="342900" indent="-342900" defTabSz="447675">
+              <a:lnSpc>
+                <a:spcPct val="100000"/>
+              </a:lnSpc>
+              <a:buFont typeface="Arial" panose="020B0604020202020204" pitchFamily="34" charset="0"/>
+              <a:buChar char="•"/>
+            </a:pPr>
+            <a:r>
+              <a:rPr lang="en-NZ" sz="1600" dirty="0" smtClean="0"/>
+              <a:t>Can still use </a:t>
+            </a:r>
+            <a:r>
+              <a:rPr lang="en-NZ" sz="1600" dirty="0" err="1" smtClean="0"/>
+              <a:t>Makefiles</a:t>
+            </a:r>
+            <a:r>
+              <a:rPr lang="en-NZ" sz="1600" dirty="0" smtClean="0"/>
+              <a:t> if desired (nothing removed)</a:t>
+            </a:r>
+          </a:p>
+          <a:p>
+            <a:pPr marL="342900" indent="-342900" defTabSz="447675">
+              <a:lnSpc>
+                <a:spcPct val="100000"/>
+              </a:lnSpc>
+              <a:buFont typeface="Arial" panose="020B0604020202020204" pitchFamily="34" charset="0"/>
+              <a:buChar char="•"/>
+            </a:pPr>
+            <a:r>
+              <a:rPr lang="en-NZ" sz="1600" dirty="0" smtClean="0"/>
+              <a:t>Advantages of </a:t>
+            </a:r>
+            <a:r>
+              <a:rPr lang="en-NZ" sz="1600" dirty="0" err="1" smtClean="0"/>
+              <a:t>CMake</a:t>
+            </a:r>
+            <a:endParaRPr lang="en-NZ" sz="1600" dirty="0" smtClean="0"/>
+          </a:p>
+          <a:p>
+            <a:pPr marL="790575" lvl="1" indent="-342900" defTabSz="447675">
+              <a:lnSpc>
+                <a:spcPct val="100000"/>
+              </a:lnSpc>
+              <a:buFont typeface="Arial" panose="020B0604020202020204" pitchFamily="34" charset="0"/>
+              <a:buChar char="•"/>
+            </a:pPr>
+            <a:r>
+              <a:rPr lang="en-NZ" sz="1600" dirty="0" smtClean="0"/>
+              <a:t>Easier to maintain (CMakeLists.txt files are shorter than </a:t>
+            </a:r>
+            <a:r>
+              <a:rPr lang="en-NZ" sz="1600" dirty="0" err="1" smtClean="0"/>
+              <a:t>Makefiles</a:t>
+            </a:r>
+            <a:r>
+              <a:rPr lang="en-NZ" sz="1600" dirty="0" smtClean="0"/>
+              <a:t>)</a:t>
+            </a:r>
+          </a:p>
+          <a:p>
+            <a:pPr marL="790575" lvl="1" indent="-342900" defTabSz="447675">
+              <a:lnSpc>
+                <a:spcPct val="100000"/>
+              </a:lnSpc>
+              <a:buFont typeface="Arial" panose="020B0604020202020204" pitchFamily="34" charset="0"/>
+              <a:buChar char="•"/>
+            </a:pPr>
+            <a:r>
+              <a:rPr lang="en-NZ" sz="1600" dirty="0" smtClean="0"/>
+              <a:t>Stores configuration (can </a:t>
+            </a:r>
+            <a:r>
+              <a:rPr lang="en-NZ" sz="1600" smtClean="0"/>
+              <a:t>refine settings </a:t>
+            </a:r>
+            <a:r>
+              <a:rPr lang="en-NZ" sz="1600" dirty="0" smtClean="0"/>
+              <a:t>if desired)</a:t>
+            </a:r>
+          </a:p>
+          <a:p>
+            <a:pPr marL="790575" lvl="1" indent="-342900" defTabSz="447675">
+              <a:lnSpc>
+                <a:spcPct val="100000"/>
+              </a:lnSpc>
+              <a:buFont typeface="Arial" panose="020B0604020202020204" pitchFamily="34" charset="0"/>
+              <a:buChar char="•"/>
+            </a:pPr>
+            <a:r>
+              <a:rPr lang="en-NZ" sz="1600" dirty="0" smtClean="0"/>
+              <a:t>Ensures consistent compilers and flags across executables</a:t>
+            </a:r>
+          </a:p>
+          <a:p>
+            <a:pPr marL="790575" lvl="1" indent="-342900" defTabSz="447675">
+              <a:lnSpc>
+                <a:spcPct val="100000"/>
+              </a:lnSpc>
+              <a:buFont typeface="Arial" panose="020B0604020202020204" pitchFamily="34" charset="0"/>
+              <a:buChar char="•"/>
+            </a:pPr>
+            <a:r>
+              <a:rPr lang="en-NZ" sz="1600" dirty="0" smtClean="0"/>
+              <a:t>Integrates with unit testing</a:t>
+            </a:r>
+          </a:p>
+          <a:p>
+            <a:pPr marL="790575" lvl="1" indent="-342900" defTabSz="447675">
+              <a:lnSpc>
+                <a:spcPct val="100000"/>
+              </a:lnSpc>
+              <a:buFont typeface="Arial" panose="020B0604020202020204" pitchFamily="34" charset="0"/>
+              <a:buChar char="•"/>
+            </a:pPr>
+            <a:r>
+              <a:rPr lang="en-NZ" sz="1600" b="1" dirty="0" smtClean="0">
+                <a:solidFill>
+                  <a:srgbClr val="00B050"/>
+                </a:solidFill>
+              </a:rPr>
+              <a:t>Can build out of source (e.g. Debug/Release using the same source)</a:t>
+            </a:r>
+          </a:p>
+          <a:p>
+            <a:pPr marL="790575" lvl="1" indent="-342900" defTabSz="447675">
+              <a:buFont typeface="Arial" panose="020B0604020202020204" pitchFamily="34" charset="0"/>
+              <a:buChar char="•"/>
+            </a:pPr>
+            <a:endParaRPr lang="en-NZ" dirty="0" smtClean="0"/>
+          </a:p>
+          <a:p>
+            <a:pPr marL="342900" indent="-342900" defTabSz="447675">
+              <a:buFont typeface="Arial" panose="020B0604020202020204" pitchFamily="34" charset="0"/>
+              <a:buChar char="•"/>
+            </a:pPr>
+            <a:endParaRPr lang="en-NZ" dirty="0" smtClean="0"/>
+          </a:p>
+          <a:p>
+            <a:pPr marL="342900" indent="-342900" defTabSz="447675">
+              <a:buFont typeface="Arial" panose="020B0604020202020204" pitchFamily="34" charset="0"/>
+              <a:buChar char="•"/>
+            </a:pPr>
+            <a:endParaRPr lang="en-NZ" dirty="0" smtClean="0"/>
+          </a:p>
+          <a:p>
+            <a:pPr marL="342900" indent="-342900" defTabSz="447675">
+              <a:buFont typeface="Arial" panose="020B0604020202020204" pitchFamily="34" charset="0"/>
+              <a:buChar char="•"/>
+            </a:pPr>
+            <a:endParaRPr lang="en-NZ" dirty="0"/>
+          </a:p>
+        </p:txBody>
+      </p:sp>
+      <p:sp>
+        <p:nvSpPr>
           <p:cNvPr id="5" name="Slide Number Placeholder 4"/>
           <p:cNvSpPr>
             <a:spLocks noGrp="1"/>
           </p:cNvSpPr>
           <p:nvPr>
-            <p:ph type="sldNum" sz="quarter" idx="15"/>
+            <p:ph type="sldNum" sz="quarter" idx="11"/>
           </p:nvPr>
         </p:nvSpPr>
-        <p:spPr>
-          <a:xfrm>
-            <a:off x="8711758" y="4876006"/>
-            <a:ext cx="216024" cy="126763"/>
-          </a:xfrm>
-        </p:spPr>
+        <p:spPr/>
         <p:txBody>
           <a:bodyPr/>
           <a:lstStyle/>
@@ -13762,29 +14079,37 @@
       </p:sp>
       <p:sp>
         <p:nvSpPr>
-          <p:cNvPr id="6" name="Content Placeholder 5"/>
+          <p:cNvPr id="6" name="Title 5"/>
           <p:cNvSpPr>
             <a:spLocks noGrp="1"/>
           </p:cNvSpPr>
           <p:nvPr>
-            <p:ph idx="12"/>
+            <p:ph type="title"/>
           </p:nvPr>
         </p:nvSpPr>
         <p:spPr/>
         <p:txBody>
-          <a:bodyPr>
-            <a:normAutofit fontScale="85000" lnSpcReduction="10000"/>
-          </a:bodyPr>
+          <a:bodyPr/>
           <a:lstStyle/>
           <a:p>
-            <a:r>
-              <a:rPr lang="en-NZ" dirty="0" err="1"/>
-              <a:t>NeSI</a:t>
-            </a:r>
+            <a:pPr marL="0" indent="0" defTabSz="447675"/>
             <a:r>
               <a:rPr lang="en-NZ" dirty="0"/>
-              <a:t> HPC Platforms in Summary</a:t>
-            </a:r>
+              <a:t>U</a:t>
+            </a:r>
+            <a:r>
+              <a:rPr lang="en-NZ" dirty="0" smtClean="0"/>
+              <a:t>sing </a:t>
+            </a:r>
+            <a:r>
+              <a:rPr lang="en-NZ" dirty="0" err="1" smtClean="0"/>
+              <a:t>CMake</a:t>
+            </a:r>
+            <a:r>
+              <a:rPr lang="en-NZ" dirty="0" smtClean="0"/>
+              <a:t> to compile</a:t>
+            </a:r>
+            <a:endParaRPr lang="en-NZ" dirty="0"/>
           </a:p>
         </p:txBody>
       </p:sp>
@@ -13795,7 +14120,7 @@
             <a:spLocks noGrp="1"/>
           </p:cNvSpPr>
           <p:nvPr>
-            <p:ph type="ftr" sz="quarter" idx="14"/>
+            <p:ph type="ftr" sz="quarter" idx="13"/>
           </p:nvPr>
         </p:nvSpPr>
         <p:spPr/>
@@ -13818,7 +14143,7 @@
             <a:spLocks noGrp="1"/>
           </p:cNvSpPr>
           <p:nvPr>
-            <p:ph type="dt" sz="half" idx="13"/>
+            <p:ph type="dt" sz="half" idx="14"/>
           </p:nvPr>
         </p:nvSpPr>
         <p:spPr/>
@@ -13826,9 +14151,9 @@
           <a:bodyPr/>
           <a:lstStyle/>
           <a:p>
-            <a:fld id="{A5B9E3A6-ECBB-42E2-BA15-E7AC400DAAB8}" type="datetime1">
+            <a:fld id="{F9E6DB96-8045-4F16-B085-AD51FE3EDF10}" type="datetime1">
               <a:rPr lang="en-NZ" smtClean="0"/>
-              <a:t>26/06/14</a:t>
+              <a:t>20/05/2016</a:t>
             </a:fld>
             <a:endParaRPr lang="en-NZ" dirty="0"/>
           </a:p>
@@ -13837,7 +14162,7 @@
     </p:spTree>
     <p:extLst>
       <p:ext uri="{BB962C8B-B14F-4D97-AF65-F5344CB8AC3E}">
-        <p14:creationId xmlns:p14="http://schemas.microsoft.com/office/powerpoint/2010/main" val="387537536"/>
+        <p14:creationId xmlns:p14="http://schemas.microsoft.com/office/powerpoint/2010/main" val="3142877913"/>
       </p:ext>
     </p:extLst>
   </p:cSld>
@@ -13847,7 +14172,7 @@
   <p:timing>
     <p:tnLst>
       <p:par>
-        <p:cTn xmlns:p14="http://schemas.microsoft.com/office/powerpoint/2010/main" id="1" dur="indefinite" restart="never" nodeType="tmRoot"/>
+        <p:cTn id="1" dur="indefinite" restart="never" nodeType="tmRoot"/>
       </p:par>
     </p:tnLst>
   </p:timing>
@@ -13881,18 +14206,396 @@
             <p:ph idx="1"/>
           </p:nvPr>
         </p:nvSpPr>
+        <p:spPr>
+          <a:xfrm>
+            <a:off x="237094" y="1173026"/>
+            <a:ext cx="8091349" cy="3022600"/>
+          </a:xfrm>
+        </p:spPr>
+        <p:txBody>
+          <a:bodyPr>
+            <a:noAutofit/>
+          </a:bodyPr>
+          <a:lstStyle/>
+          <a:p>
+            <a:pPr lvl="1" indent="0" defTabSz="447675">
+              <a:buNone/>
+            </a:pPr>
+            <a:r>
+              <a:rPr lang="en-NZ" b="1" dirty="0" smtClean="0">
+                <a:solidFill>
+                  <a:schemeClr val="accent6">
+                    <a:lumMod val="75000"/>
+                  </a:schemeClr>
+                </a:solidFill>
+                <a:latin typeface="Courier New" panose="02070309020205020404" pitchFamily="49" charset="0"/>
+                <a:cs typeface="Courier New" panose="02070309020205020404" pitchFamily="49" charset="0"/>
+              </a:rPr>
+              <a:t>$ module load </a:t>
+            </a:r>
+            <a:r>
+              <a:rPr lang="en-NZ" b="1" dirty="0" err="1" smtClean="0">
+                <a:solidFill>
+                  <a:schemeClr val="accent6">
+                    <a:lumMod val="75000"/>
+                  </a:schemeClr>
+                </a:solidFill>
+                <a:latin typeface="Courier New" panose="02070309020205020404" pitchFamily="49" charset="0"/>
+                <a:cs typeface="Courier New" panose="02070309020205020404" pitchFamily="49" charset="0"/>
+              </a:rPr>
+              <a:t>cmake</a:t>
+            </a:r>
+            <a:r>
+              <a:rPr lang="en-NZ" b="1" dirty="0" smtClean="0">
+                <a:solidFill>
+                  <a:schemeClr val="accent6">
+                    <a:lumMod val="75000"/>
+                  </a:schemeClr>
+                </a:solidFill>
+                <a:latin typeface="Courier New" panose="02070309020205020404" pitchFamily="49" charset="0"/>
+                <a:cs typeface="Courier New" panose="02070309020205020404" pitchFamily="49" charset="0"/>
+              </a:rPr>
+              <a:t> </a:t>
+            </a:r>
+          </a:p>
+          <a:p>
+            <a:pPr lvl="1" indent="0" defTabSz="447675">
+              <a:buNone/>
+            </a:pPr>
+            <a:r>
+              <a:rPr lang="en-NZ" b="1" dirty="0" smtClean="0">
+                <a:solidFill>
+                  <a:schemeClr val="accent6">
+                    <a:lumMod val="75000"/>
+                  </a:schemeClr>
+                </a:solidFill>
+                <a:latin typeface="Courier New" panose="02070309020205020404" pitchFamily="49" charset="0"/>
+                <a:cs typeface="Courier New" panose="02070309020205020404" pitchFamily="49" charset="0"/>
+              </a:rPr>
+              <a:t>$ </a:t>
+            </a:r>
+            <a:r>
+              <a:rPr lang="en-NZ" b="1" dirty="0" err="1" smtClean="0">
+                <a:solidFill>
+                  <a:schemeClr val="accent6">
+                    <a:lumMod val="75000"/>
+                  </a:schemeClr>
+                </a:solidFill>
+                <a:latin typeface="Courier New" panose="02070309020205020404" pitchFamily="49" charset="0"/>
+                <a:cs typeface="Courier New" panose="02070309020205020404" pitchFamily="49" charset="0"/>
+              </a:rPr>
+              <a:t>mkdir</a:t>
+            </a:r>
+            <a:r>
+              <a:rPr lang="en-NZ" b="1" dirty="0" smtClean="0">
+                <a:solidFill>
+                  <a:schemeClr val="accent6">
+                    <a:lumMod val="75000"/>
+                  </a:schemeClr>
+                </a:solidFill>
+                <a:latin typeface="Courier New" panose="02070309020205020404" pitchFamily="49" charset="0"/>
+                <a:cs typeface="Courier New" panose="02070309020205020404" pitchFamily="49" charset="0"/>
+              </a:rPr>
+              <a:t> build; cd build</a:t>
+            </a:r>
+          </a:p>
+          <a:p>
+            <a:pPr lvl="1" indent="0" defTabSz="447675">
+              <a:buNone/>
+            </a:pPr>
+            <a:r>
+              <a:rPr lang="en-NZ" b="1" dirty="0" smtClean="0">
+                <a:solidFill>
+                  <a:schemeClr val="accent6">
+                    <a:lumMod val="75000"/>
+                  </a:schemeClr>
+                </a:solidFill>
+                <a:latin typeface="Courier New" panose="02070309020205020404" pitchFamily="49" charset="0"/>
+                <a:cs typeface="Courier New" panose="02070309020205020404" pitchFamily="49" charset="0"/>
+              </a:rPr>
+              <a:t>$ make</a:t>
+            </a:r>
+          </a:p>
+          <a:p>
+            <a:pPr lvl="1" indent="0" defTabSz="447675">
+              <a:buNone/>
+            </a:pPr>
+            <a:r>
+              <a:rPr lang="en-NZ" dirty="0" smtClean="0"/>
+              <a:t>Will choose automatically </a:t>
+            </a:r>
+            <a:r>
+              <a:rPr lang="en-NZ" dirty="0" smtClean="0"/>
+              <a:t>optimization </a:t>
+            </a:r>
+            <a:r>
+              <a:rPr lang="en-NZ" dirty="0"/>
+              <a:t>flags </a:t>
+            </a:r>
+            <a:r>
+              <a:rPr lang="en-NZ" dirty="0">
+                <a:solidFill>
+                  <a:schemeClr val="accent6">
+                    <a:lumMod val="75000"/>
+                  </a:schemeClr>
+                </a:solidFill>
+                <a:latin typeface="Courier New" panose="02070309020205020404" pitchFamily="49" charset="0"/>
+                <a:cs typeface="Courier New" panose="02070309020205020404" pitchFamily="49" charset="0"/>
+              </a:rPr>
+              <a:t>“-O3 -</a:t>
+            </a:r>
+            <a:r>
+              <a:rPr lang="en-NZ" dirty="0" err="1">
+                <a:solidFill>
+                  <a:schemeClr val="accent6">
+                    <a:lumMod val="75000"/>
+                  </a:schemeClr>
+                </a:solidFill>
+                <a:latin typeface="Courier New" panose="02070309020205020404" pitchFamily="49" charset="0"/>
+                <a:cs typeface="Courier New" panose="02070309020205020404" pitchFamily="49" charset="0"/>
+              </a:rPr>
+              <a:t>qstrict</a:t>
+            </a:r>
+            <a:r>
+              <a:rPr lang="en-NZ" dirty="0">
+                <a:solidFill>
+                  <a:schemeClr val="accent6">
+                    <a:lumMod val="75000"/>
+                  </a:schemeClr>
+                </a:solidFill>
+                <a:latin typeface="Courier New" panose="02070309020205020404" pitchFamily="49" charset="0"/>
+                <a:cs typeface="Courier New" panose="02070309020205020404" pitchFamily="49" charset="0"/>
+              </a:rPr>
+              <a:t> -</a:t>
+            </a:r>
+            <a:r>
+              <a:rPr lang="en-NZ" dirty="0" err="1">
+                <a:solidFill>
+                  <a:schemeClr val="accent6">
+                    <a:lumMod val="75000"/>
+                  </a:schemeClr>
+                </a:solidFill>
+                <a:latin typeface="Courier New" panose="02070309020205020404" pitchFamily="49" charset="0"/>
+                <a:cs typeface="Courier New" panose="02070309020205020404" pitchFamily="49" charset="0"/>
+              </a:rPr>
+              <a:t>qmaxmem</a:t>
+            </a:r>
+            <a:r>
+              <a:rPr lang="en-NZ" dirty="0">
+                <a:solidFill>
+                  <a:schemeClr val="accent6">
+                    <a:lumMod val="75000"/>
+                  </a:schemeClr>
+                </a:solidFill>
+                <a:latin typeface="Courier New" panose="02070309020205020404" pitchFamily="49" charset="0"/>
+                <a:cs typeface="Courier New" panose="02070309020205020404" pitchFamily="49" charset="0"/>
+              </a:rPr>
+              <a:t>=-1 -</a:t>
+            </a:r>
+            <a:r>
+              <a:rPr lang="en-NZ" dirty="0" err="1">
+                <a:solidFill>
+                  <a:schemeClr val="accent6">
+                    <a:lumMod val="75000"/>
+                  </a:schemeClr>
+                </a:solidFill>
+                <a:latin typeface="Courier New" panose="02070309020205020404" pitchFamily="49" charset="0"/>
+                <a:cs typeface="Courier New" panose="02070309020205020404" pitchFamily="49" charset="0"/>
+              </a:rPr>
+              <a:t>qtune</a:t>
+            </a:r>
+            <a:r>
+              <a:rPr lang="en-NZ" dirty="0">
+                <a:solidFill>
+                  <a:schemeClr val="accent6">
+                    <a:lumMod val="75000"/>
+                  </a:schemeClr>
+                </a:solidFill>
+                <a:latin typeface="Courier New" panose="02070309020205020404" pitchFamily="49" charset="0"/>
+                <a:cs typeface="Courier New" panose="02070309020205020404" pitchFamily="49" charset="0"/>
+              </a:rPr>
+              <a:t>=pwr6 -</a:t>
+            </a:r>
+            <a:r>
+              <a:rPr lang="en-NZ" dirty="0" err="1">
+                <a:solidFill>
+                  <a:schemeClr val="accent6">
+                    <a:lumMod val="75000"/>
+                  </a:schemeClr>
+                </a:solidFill>
+                <a:latin typeface="Courier New" panose="02070309020205020404" pitchFamily="49" charset="0"/>
+                <a:cs typeface="Courier New" panose="02070309020205020404" pitchFamily="49" charset="0"/>
+              </a:rPr>
+              <a:t>qarch</a:t>
+            </a:r>
+            <a:r>
+              <a:rPr lang="en-NZ" dirty="0">
+                <a:solidFill>
+                  <a:schemeClr val="accent6">
+                    <a:lumMod val="75000"/>
+                  </a:schemeClr>
+                </a:solidFill>
+                <a:latin typeface="Courier New" panose="02070309020205020404" pitchFamily="49" charset="0"/>
+                <a:cs typeface="Courier New" panose="02070309020205020404" pitchFamily="49" charset="0"/>
+              </a:rPr>
+              <a:t>=pwr6 -</a:t>
+            </a:r>
+            <a:r>
+              <a:rPr lang="en-NZ" dirty="0" err="1">
+                <a:solidFill>
+                  <a:schemeClr val="accent6">
+                    <a:lumMod val="75000"/>
+                  </a:schemeClr>
+                </a:solidFill>
+                <a:latin typeface="Courier New" panose="02070309020205020404" pitchFamily="49" charset="0"/>
+                <a:cs typeface="Courier New" panose="02070309020205020404" pitchFamily="49" charset="0"/>
+              </a:rPr>
+              <a:t>qcache</a:t>
+            </a:r>
+            <a:r>
+              <a:rPr lang="en-NZ" dirty="0">
+                <a:solidFill>
+                  <a:schemeClr val="accent6">
+                    <a:lumMod val="75000"/>
+                  </a:schemeClr>
+                </a:solidFill>
+                <a:latin typeface="Courier New" panose="02070309020205020404" pitchFamily="49" charset="0"/>
+                <a:cs typeface="Courier New" panose="02070309020205020404" pitchFamily="49" charset="0"/>
+              </a:rPr>
+              <a:t>=auto -</a:t>
+            </a:r>
+            <a:r>
+              <a:rPr lang="en-NZ" dirty="0" err="1">
+                <a:solidFill>
+                  <a:schemeClr val="accent6">
+                    <a:lumMod val="75000"/>
+                  </a:schemeClr>
+                </a:solidFill>
+                <a:latin typeface="Courier New" panose="02070309020205020404" pitchFamily="49" charset="0"/>
+                <a:cs typeface="Courier New" panose="02070309020205020404" pitchFamily="49" charset="0"/>
+              </a:rPr>
+              <a:t>qhot</a:t>
+            </a:r>
+            <a:r>
+              <a:rPr lang="en-NZ" dirty="0">
+                <a:solidFill>
+                  <a:schemeClr val="accent6">
+                    <a:lumMod val="75000"/>
+                  </a:schemeClr>
+                </a:solidFill>
+                <a:latin typeface="Courier New" panose="02070309020205020404" pitchFamily="49" charset="0"/>
+                <a:cs typeface="Courier New" panose="02070309020205020404" pitchFamily="49" charset="0"/>
+              </a:rPr>
+              <a:t> -</a:t>
+            </a:r>
+            <a:r>
+              <a:rPr lang="en-NZ" dirty="0" err="1">
+                <a:solidFill>
+                  <a:schemeClr val="accent6">
+                    <a:lumMod val="75000"/>
+                  </a:schemeClr>
+                </a:solidFill>
+                <a:latin typeface="Courier New" panose="02070309020205020404" pitchFamily="49" charset="0"/>
+                <a:cs typeface="Courier New" panose="02070309020205020404" pitchFamily="49" charset="0"/>
+              </a:rPr>
+              <a:t>qsimd</a:t>
+            </a:r>
+            <a:r>
+              <a:rPr lang="en-NZ" dirty="0">
+                <a:solidFill>
+                  <a:schemeClr val="accent6">
+                    <a:lumMod val="75000"/>
+                  </a:schemeClr>
+                </a:solidFill>
+                <a:latin typeface="Courier New" panose="02070309020205020404" pitchFamily="49" charset="0"/>
+                <a:cs typeface="Courier New" panose="02070309020205020404" pitchFamily="49" charset="0"/>
+              </a:rPr>
+              <a:t> </a:t>
+            </a:r>
+            <a:r>
+              <a:rPr lang="en-NZ" dirty="0" smtClean="0">
+                <a:solidFill>
+                  <a:schemeClr val="accent6">
+                    <a:lumMod val="75000"/>
+                  </a:schemeClr>
+                </a:solidFill>
+                <a:latin typeface="Courier New" panose="02070309020205020404" pitchFamily="49" charset="0"/>
+                <a:cs typeface="Courier New" panose="02070309020205020404" pitchFamily="49" charset="0"/>
+              </a:rPr>
+              <a:t>–</a:t>
+            </a:r>
+            <a:r>
+              <a:rPr lang="en-NZ" dirty="0" err="1" smtClean="0">
+                <a:solidFill>
+                  <a:schemeClr val="accent6">
+                    <a:lumMod val="75000"/>
+                  </a:schemeClr>
+                </a:solidFill>
+                <a:latin typeface="Courier New" panose="02070309020205020404" pitchFamily="49" charset="0"/>
+                <a:cs typeface="Courier New" panose="02070309020205020404" pitchFamily="49" charset="0"/>
+              </a:rPr>
+              <a:t>qipa</a:t>
+            </a:r>
+            <a:r>
+              <a:rPr lang="en-NZ" dirty="0" smtClean="0"/>
+              <a:t>”</a:t>
+            </a:r>
+            <a:endParaRPr lang="en-NZ" dirty="0" smtClean="0"/>
+          </a:p>
+          <a:p>
+            <a:pPr marL="342900" indent="-342900" defTabSz="447675">
+              <a:buFont typeface="Arial" panose="020B0604020202020204" pitchFamily="34" charset="0"/>
+              <a:buChar char="•"/>
+            </a:pPr>
+            <a:r>
+              <a:rPr lang="en-NZ" dirty="0" smtClean="0"/>
+              <a:t>Same commands on Linux. </a:t>
+            </a:r>
+            <a:endParaRPr lang="en-NZ" dirty="0" smtClean="0"/>
+          </a:p>
+          <a:p>
+            <a:pPr marL="342900" indent="-342900" defTabSz="447675">
+              <a:buFont typeface="Arial" panose="020B0604020202020204" pitchFamily="34" charset="0"/>
+              <a:buChar char="•"/>
+            </a:pPr>
+            <a:endParaRPr lang="en-NZ" dirty="0" smtClean="0"/>
+          </a:p>
+          <a:p>
+            <a:pPr marL="342900" indent="-342900" defTabSz="447675">
+              <a:buFont typeface="Arial" panose="020B0604020202020204" pitchFamily="34" charset="0"/>
+              <a:buChar char="•"/>
+            </a:pPr>
+            <a:endParaRPr lang="en-NZ" dirty="0"/>
+          </a:p>
+        </p:txBody>
+      </p:sp>
+      <p:sp>
+        <p:nvSpPr>
+          <p:cNvPr id="5" name="Slide Number Placeholder 4"/>
+          <p:cNvSpPr>
+            <a:spLocks noGrp="1"/>
+          </p:cNvSpPr>
+          <p:nvPr>
+            <p:ph type="sldNum" sz="quarter" idx="11"/>
+          </p:nvPr>
+        </p:nvSpPr>
         <p:spPr/>
         <p:txBody>
           <a:bodyPr/>
           <a:lstStyle/>
           <a:p>
+            <a:fld id="{CC2341E0-2A5D-464C-855A-DD777202BE4C}" type="slidenum">
+              <a:rPr lang="en-NZ" smtClean="0"/>
+              <a:pPr/>
+              <a:t>3</a:t>
+            </a:fld>
             <a:endParaRPr lang="en-NZ" dirty="0"/>
           </a:p>
         </p:txBody>
       </p:sp>
       <p:sp>
         <p:nvSpPr>
-          <p:cNvPr id="5" name="Title 4"/>
+          <p:cNvPr id="6" name="Title 5"/>
           <p:cNvSpPr>
             <a:spLocks noGrp="1"/>
           </p:cNvSpPr>
@@ -13905,9 +14608,10 @@
           <a:bodyPr/>
           <a:lstStyle/>
           <a:p>
-            <a:r>
-              <a:rPr lang="en-US" dirty="0"/>
-              <a:t>Customers</a:t>
+            <a:pPr marL="0" indent="0" defTabSz="447675"/>
+            <a:r>
+              <a:rPr lang="en-NZ" dirty="0" smtClean="0"/>
+              <a:t>Compiling EMOD3D on Fitzroy</a:t>
             </a:r>
             <a:endParaRPr lang="en-NZ" dirty="0"/>
           </a:p>
@@ -13915,849 +14619,12 @@
       </p:sp>
       <p:sp>
         <p:nvSpPr>
-          <p:cNvPr id="3" name="Slide Number Placeholder 2"/>
+          <p:cNvPr id="2" name="Footer Placeholder 1"/>
           <p:cNvSpPr>
             <a:spLocks noGrp="1"/>
           </p:cNvSpPr>
           <p:nvPr>
-            <p:ph type="sldNum" sz="quarter" idx="12"/>
-          </p:nvPr>
-        </p:nvSpPr>
-        <p:spPr>
-          <a:xfrm>
-            <a:off x="8695765" y="4875493"/>
-            <a:ext cx="231284" cy="129828"/>
-          </a:xfrm>
-        </p:spPr>
-        <p:txBody>
-          <a:bodyPr/>
-          <a:lstStyle/>
-          <a:p>
-            <a:fld id="{DA169597-45FD-48FB-A612-024FC3ACB8EE}" type="slidenum">
-              <a:rPr lang="en-NZ" smtClean="0"/>
-              <a:pPr/>
-              <a:t>3</a:t>
-            </a:fld>
-            <a:endParaRPr lang="en-NZ" dirty="0"/>
-          </a:p>
-        </p:txBody>
-      </p:sp>
-      <p:pic>
-        <p:nvPicPr>
-          <p:cNvPr id="22" name="Picture 7"/>
-          <p:cNvPicPr>
-            <a:picLocks noChangeAspect="1"/>
-          </p:cNvPicPr>
-          <p:nvPr/>
-        </p:nvPicPr>
-        <p:blipFill>
-          <a:blip r:embed="rId2">
-            <a:extLst>
-              <a:ext uri="{28A0092B-C50C-407E-A947-70E740481C1C}">
-                <a14:useLocalDpi xmlns:a14="http://schemas.microsoft.com/office/drawing/2010/main" val="0"/>
-              </a:ext>
-            </a:extLst>
-          </a:blip>
-          <a:srcRect/>
-          <a:stretch>
-            <a:fillRect/>
-          </a:stretch>
-        </p:blipFill>
-        <p:spPr bwMode="auto">
-          <a:xfrm>
-            <a:off x="6733788" y="721321"/>
-            <a:ext cx="1941504" cy="586065"/>
-          </a:xfrm>
-          <a:prstGeom prst="rect">
-            <a:avLst/>
-          </a:prstGeom>
-          <a:noFill/>
-          <a:ln>
-            <a:noFill/>
-          </a:ln>
-          <a:extLst>
-            <a:ext uri="{909E8E84-426E-40dd-AFC4-6F175D3DCCD1}">
-              <a14:hiddenFill xmlns:a14="http://schemas.microsoft.com/office/drawing/2010/main">
-                <a:solidFill>
-                  <a:srgbClr val="FFFFFF"/>
-                </a:solidFill>
-              </a14:hiddenFill>
-            </a:ext>
-            <a:ext uri="{91240B29-F687-4f45-9708-019B960494DF}">
-              <a14:hiddenLine xmlns:a14="http://schemas.microsoft.com/office/drawing/2010/main" w="9525">
-                <a:solidFill>
-                  <a:srgbClr val="000000"/>
-                </a:solidFill>
-                <a:miter lim="800000"/>
-                <a:headEnd/>
-                <a:tailEnd/>
-              </a14:hiddenLine>
-            </a:ext>
-          </a:extLst>
-        </p:spPr>
-      </p:pic>
-      <p:pic>
-        <p:nvPicPr>
-          <p:cNvPr id="23" name="Picture 8"/>
-          <p:cNvPicPr>
-            <a:picLocks noChangeAspect="1"/>
-          </p:cNvPicPr>
-          <p:nvPr/>
-        </p:nvPicPr>
-        <p:blipFill>
-          <a:blip r:embed="rId3">
-            <a:extLst>
-              <a:ext uri="{28A0092B-C50C-407E-A947-70E740481C1C}">
-                <a14:useLocalDpi xmlns:a14="http://schemas.microsoft.com/office/drawing/2010/main" val="0"/>
-              </a:ext>
-            </a:extLst>
-          </a:blip>
-          <a:srcRect/>
-          <a:stretch>
-            <a:fillRect/>
-          </a:stretch>
-        </p:blipFill>
-        <p:spPr bwMode="auto">
-          <a:xfrm>
-            <a:off x="6051287" y="1841672"/>
-            <a:ext cx="1365002" cy="475648"/>
-          </a:xfrm>
-          <a:prstGeom prst="rect">
-            <a:avLst/>
-          </a:prstGeom>
-          <a:noFill/>
-          <a:ln>
-            <a:noFill/>
-          </a:ln>
-          <a:extLst>
-            <a:ext uri="{909E8E84-426E-40dd-AFC4-6F175D3DCCD1}">
-              <a14:hiddenFill xmlns:a14="http://schemas.microsoft.com/office/drawing/2010/main">
-                <a:solidFill>
-                  <a:srgbClr val="FFFFFF"/>
-                </a:solidFill>
-              </a14:hiddenFill>
-            </a:ext>
-            <a:ext uri="{91240B29-F687-4f45-9708-019B960494DF}">
-              <a14:hiddenLine xmlns:a14="http://schemas.microsoft.com/office/drawing/2010/main" w="9525">
-                <a:solidFill>
-                  <a:srgbClr val="000000"/>
-                </a:solidFill>
-                <a:miter lim="800000"/>
-                <a:headEnd/>
-                <a:tailEnd/>
-              </a14:hiddenLine>
-            </a:ext>
-          </a:extLst>
-        </p:spPr>
-      </p:pic>
-      <p:pic>
-        <p:nvPicPr>
-          <p:cNvPr id="24" name="Picture 10"/>
-          <p:cNvPicPr>
-            <a:picLocks noChangeAspect="1"/>
-          </p:cNvPicPr>
-          <p:nvPr/>
-        </p:nvPicPr>
-        <p:blipFill>
-          <a:blip r:embed="rId4">
-            <a:extLst>
-              <a:ext uri="{28A0092B-C50C-407E-A947-70E740481C1C}">
-                <a14:useLocalDpi xmlns:a14="http://schemas.microsoft.com/office/drawing/2010/main" val="0"/>
-              </a:ext>
-            </a:extLst>
-          </a:blip>
-          <a:srcRect/>
-          <a:stretch>
-            <a:fillRect/>
-          </a:stretch>
-        </p:blipFill>
-        <p:spPr bwMode="auto">
-          <a:xfrm>
-            <a:off x="7747498" y="1854243"/>
-            <a:ext cx="1045386" cy="379656"/>
-          </a:xfrm>
-          <a:prstGeom prst="rect">
-            <a:avLst/>
-          </a:prstGeom>
-          <a:noFill/>
-          <a:ln>
-            <a:noFill/>
-          </a:ln>
-          <a:extLst>
-            <a:ext uri="{909E8E84-426E-40dd-AFC4-6F175D3DCCD1}">
-              <a14:hiddenFill xmlns:a14="http://schemas.microsoft.com/office/drawing/2010/main">
-                <a:solidFill>
-                  <a:srgbClr val="FFFFFF"/>
-                </a:solidFill>
-              </a14:hiddenFill>
-            </a:ext>
-            <a:ext uri="{91240B29-F687-4f45-9708-019B960494DF}">
-              <a14:hiddenLine xmlns:a14="http://schemas.microsoft.com/office/drawing/2010/main" w="9525">
-                <a:solidFill>
-                  <a:srgbClr val="000000"/>
-                </a:solidFill>
-                <a:miter lim="800000"/>
-                <a:headEnd/>
-                <a:tailEnd/>
-              </a14:hiddenLine>
-            </a:ext>
-          </a:extLst>
-        </p:spPr>
-      </p:pic>
-      <p:pic>
-        <p:nvPicPr>
-          <p:cNvPr id="25" name="Picture 11"/>
-          <p:cNvPicPr>
-            <a:picLocks noChangeAspect="1"/>
-          </p:cNvPicPr>
-          <p:nvPr/>
-        </p:nvPicPr>
-        <p:blipFill>
-          <a:blip r:embed="rId5">
-            <a:extLst>
-              <a:ext uri="{28A0092B-C50C-407E-A947-70E740481C1C}">
-                <a14:useLocalDpi xmlns:a14="http://schemas.microsoft.com/office/drawing/2010/main" val="0"/>
-              </a:ext>
-            </a:extLst>
-          </a:blip>
-          <a:srcRect/>
-          <a:stretch>
-            <a:fillRect/>
-          </a:stretch>
-        </p:blipFill>
-        <p:spPr bwMode="auto">
-          <a:xfrm>
-            <a:off x="7979146" y="2712350"/>
-            <a:ext cx="696145" cy="722774"/>
-          </a:xfrm>
-          <a:prstGeom prst="rect">
-            <a:avLst/>
-          </a:prstGeom>
-          <a:noFill/>
-          <a:ln>
-            <a:noFill/>
-          </a:ln>
-          <a:extLst>
-            <a:ext uri="{909E8E84-426E-40dd-AFC4-6F175D3DCCD1}">
-              <a14:hiddenFill xmlns:a14="http://schemas.microsoft.com/office/drawing/2010/main">
-                <a:solidFill>
-                  <a:srgbClr val="FFFFFF"/>
-                </a:solidFill>
-              </a14:hiddenFill>
-            </a:ext>
-            <a:ext uri="{91240B29-F687-4f45-9708-019B960494DF}">
-              <a14:hiddenLine xmlns:a14="http://schemas.microsoft.com/office/drawing/2010/main" w="9525">
-                <a:solidFill>
-                  <a:srgbClr val="000000"/>
-                </a:solidFill>
-                <a:miter lim="800000"/>
-                <a:headEnd/>
-                <a:tailEnd/>
-              </a14:hiddenLine>
-            </a:ext>
-          </a:extLst>
-        </p:spPr>
-      </p:pic>
-      <p:pic>
-        <p:nvPicPr>
-          <p:cNvPr id="26" name="Picture 12"/>
-          <p:cNvPicPr>
-            <a:picLocks noChangeAspect="1"/>
-          </p:cNvPicPr>
-          <p:nvPr/>
-        </p:nvPicPr>
-        <p:blipFill>
-          <a:blip r:embed="rId6">
-            <a:extLst>
-              <a:ext uri="{28A0092B-C50C-407E-A947-70E740481C1C}">
-                <a14:useLocalDpi xmlns:a14="http://schemas.microsoft.com/office/drawing/2010/main" val="0"/>
-              </a:ext>
-            </a:extLst>
-          </a:blip>
-          <a:srcRect/>
-          <a:stretch>
-            <a:fillRect/>
-          </a:stretch>
-        </p:blipFill>
-        <p:spPr bwMode="auto">
-          <a:xfrm>
-            <a:off x="5946483" y="2700412"/>
-            <a:ext cx="1674690" cy="348344"/>
-          </a:xfrm>
-          <a:prstGeom prst="rect">
-            <a:avLst/>
-          </a:prstGeom>
-          <a:noFill/>
-          <a:ln>
-            <a:noFill/>
-          </a:ln>
-          <a:extLst>
-            <a:ext uri="{909E8E84-426E-40dd-AFC4-6F175D3DCCD1}">
-              <a14:hiddenFill xmlns:a14="http://schemas.microsoft.com/office/drawing/2010/main">
-                <a:solidFill>
-                  <a:srgbClr val="FFFFFF"/>
-                </a:solidFill>
-              </a14:hiddenFill>
-            </a:ext>
-            <a:ext uri="{91240B29-F687-4f45-9708-019B960494DF}">
-              <a14:hiddenLine xmlns:a14="http://schemas.microsoft.com/office/drawing/2010/main" w="9525">
-                <a:solidFill>
-                  <a:srgbClr val="000000"/>
-                </a:solidFill>
-                <a:miter lim="800000"/>
-                <a:headEnd/>
-                <a:tailEnd/>
-              </a14:hiddenLine>
-            </a:ext>
-          </a:extLst>
-        </p:spPr>
-      </p:pic>
-      <p:pic>
-        <p:nvPicPr>
-          <p:cNvPr id="27" name="Picture 13"/>
-          <p:cNvPicPr>
-            <a:picLocks noChangeAspect="1"/>
-          </p:cNvPicPr>
-          <p:nvPr/>
-        </p:nvPicPr>
-        <p:blipFill>
-          <a:blip r:embed="rId7">
-            <a:extLst>
-              <a:ext uri="{28A0092B-C50C-407E-A947-70E740481C1C}">
-                <a14:useLocalDpi xmlns:a14="http://schemas.microsoft.com/office/drawing/2010/main" val="0"/>
-              </a:ext>
-            </a:extLst>
-          </a:blip>
-          <a:srcRect/>
-          <a:stretch>
-            <a:fillRect/>
-          </a:stretch>
-        </p:blipFill>
-        <p:spPr bwMode="auto">
-          <a:xfrm>
-            <a:off x="5944449" y="3240864"/>
-            <a:ext cx="1676724" cy="374877"/>
-          </a:xfrm>
-          <a:prstGeom prst="rect">
-            <a:avLst/>
-          </a:prstGeom>
-          <a:noFill/>
-          <a:ln>
-            <a:noFill/>
-          </a:ln>
-          <a:extLst>
-            <a:ext uri="{909E8E84-426E-40dd-AFC4-6F175D3DCCD1}">
-              <a14:hiddenFill xmlns:a14="http://schemas.microsoft.com/office/drawing/2010/main">
-                <a:solidFill>
-                  <a:srgbClr val="FFFFFF"/>
-                </a:solidFill>
-              </a14:hiddenFill>
-            </a:ext>
-            <a:ext uri="{91240B29-F687-4f45-9708-019B960494DF}">
-              <a14:hiddenLine xmlns:a14="http://schemas.microsoft.com/office/drawing/2010/main" w="9525">
-                <a:solidFill>
-                  <a:srgbClr val="000000"/>
-                </a:solidFill>
-                <a:miter lim="800000"/>
-                <a:headEnd/>
-                <a:tailEnd/>
-              </a14:hiddenLine>
-            </a:ext>
-          </a:extLst>
-        </p:spPr>
-      </p:pic>
-      <p:pic>
-        <p:nvPicPr>
-          <p:cNvPr id="28" name="Picture 27"/>
-          <p:cNvPicPr>
-            <a:picLocks noChangeAspect="1"/>
-          </p:cNvPicPr>
-          <p:nvPr/>
-        </p:nvPicPr>
-        <p:blipFill>
-          <a:blip r:embed="rId8"/>
-          <a:stretch>
-            <a:fillRect/>
-          </a:stretch>
-        </p:blipFill>
-        <p:spPr>
-          <a:xfrm>
-            <a:off x="6135086" y="3961710"/>
-            <a:ext cx="2356547" cy="371259"/>
-          </a:xfrm>
-          <a:prstGeom prst="rect">
-            <a:avLst/>
-          </a:prstGeom>
-        </p:spPr>
-      </p:pic>
-      <p:pic>
-        <p:nvPicPr>
-          <p:cNvPr id="29" name="Picture 2"/>
-          <p:cNvPicPr>
-            <a:picLocks noChangeAspect="1"/>
-          </p:cNvPicPr>
-          <p:nvPr/>
-        </p:nvPicPr>
-        <p:blipFill>
-          <a:blip r:embed="rId9">
-            <a:extLst>
-              <a:ext uri="{28A0092B-C50C-407E-A947-70E740481C1C}">
-                <a14:useLocalDpi xmlns:a14="http://schemas.microsoft.com/office/drawing/2010/main" val="0"/>
-              </a:ext>
-            </a:extLst>
-          </a:blip>
-          <a:srcRect/>
-          <a:stretch>
-            <a:fillRect/>
-          </a:stretch>
-        </p:blipFill>
-        <p:spPr bwMode="auto">
-          <a:xfrm>
-            <a:off x="2508271" y="735548"/>
-            <a:ext cx="1211122" cy="630050"/>
-          </a:xfrm>
-          <a:prstGeom prst="rect">
-            <a:avLst/>
-          </a:prstGeom>
-          <a:noFill/>
-          <a:ln>
-            <a:noFill/>
-          </a:ln>
-          <a:extLst>
-            <a:ext uri="{909E8E84-426E-40dd-AFC4-6F175D3DCCD1}">
-              <a14:hiddenFill xmlns:a14="http://schemas.microsoft.com/office/drawing/2010/main">
-                <a:solidFill>
-                  <a:srgbClr val="FFFFFF"/>
-                </a:solidFill>
-              </a14:hiddenFill>
-            </a:ext>
-            <a:ext uri="{91240B29-F687-4f45-9708-019B960494DF}">
-              <a14:hiddenLine xmlns:a14="http://schemas.microsoft.com/office/drawing/2010/main" w="9525">
-                <a:solidFill>
-                  <a:srgbClr val="000000"/>
-                </a:solidFill>
-                <a:miter lim="800000"/>
-                <a:headEnd/>
-                <a:tailEnd/>
-              </a14:hiddenLine>
-            </a:ext>
-          </a:extLst>
-        </p:spPr>
-      </p:pic>
-      <p:pic>
-        <p:nvPicPr>
-          <p:cNvPr id="30" name="Picture 15"/>
-          <p:cNvPicPr>
-            <a:picLocks noChangeAspect="1"/>
-          </p:cNvPicPr>
-          <p:nvPr/>
-        </p:nvPicPr>
-        <p:blipFill>
-          <a:blip r:embed="rId10">
-            <a:extLst>
-              <a:ext uri="{28A0092B-C50C-407E-A947-70E740481C1C}">
-                <a14:useLocalDpi xmlns:a14="http://schemas.microsoft.com/office/drawing/2010/main" val="0"/>
-              </a:ext>
-            </a:extLst>
-          </a:blip>
-          <a:srcRect/>
-          <a:stretch>
-            <a:fillRect/>
-          </a:stretch>
-        </p:blipFill>
-        <p:spPr bwMode="auto">
-          <a:xfrm>
-            <a:off x="4409122" y="1650349"/>
-            <a:ext cx="1029953" cy="858294"/>
-          </a:xfrm>
-          <a:prstGeom prst="rect">
-            <a:avLst/>
-          </a:prstGeom>
-          <a:noFill/>
-          <a:ln>
-            <a:noFill/>
-          </a:ln>
-          <a:extLst>
-            <a:ext uri="{909E8E84-426E-40dd-AFC4-6F175D3DCCD1}">
-              <a14:hiddenFill xmlns:a14="http://schemas.microsoft.com/office/drawing/2010/main">
-                <a:solidFill>
-                  <a:srgbClr val="FFFFFF"/>
-                </a:solidFill>
-              </a14:hiddenFill>
-            </a:ext>
-            <a:ext uri="{91240B29-F687-4f45-9708-019B960494DF}">
-              <a14:hiddenLine xmlns:a14="http://schemas.microsoft.com/office/drawing/2010/main" w="9525">
-                <a:solidFill>
-                  <a:srgbClr val="000000"/>
-                </a:solidFill>
-                <a:miter lim="800000"/>
-                <a:headEnd/>
-                <a:tailEnd/>
-              </a14:hiddenLine>
-            </a:ext>
-          </a:extLst>
-        </p:spPr>
-      </p:pic>
-      <p:pic>
-        <p:nvPicPr>
-          <p:cNvPr id="31" name="Picture 16"/>
-          <p:cNvPicPr>
-            <a:picLocks noChangeAspect="1"/>
-          </p:cNvPicPr>
-          <p:nvPr/>
-        </p:nvPicPr>
-        <p:blipFill>
-          <a:blip r:embed="rId11">
-            <a:extLst>
-              <a:ext uri="{28A0092B-C50C-407E-A947-70E740481C1C}">
-                <a14:useLocalDpi xmlns:a14="http://schemas.microsoft.com/office/drawing/2010/main" val="0"/>
-              </a:ext>
-            </a:extLst>
-          </a:blip>
-          <a:srcRect/>
-          <a:stretch>
-            <a:fillRect/>
-          </a:stretch>
-        </p:blipFill>
-        <p:spPr bwMode="auto">
-          <a:xfrm>
-            <a:off x="4456747" y="756983"/>
-            <a:ext cx="1811690" cy="514739"/>
-          </a:xfrm>
-          <a:prstGeom prst="rect">
-            <a:avLst/>
-          </a:prstGeom>
-          <a:noFill/>
-          <a:ln>
-            <a:noFill/>
-          </a:ln>
-          <a:extLst>
-            <a:ext uri="{909E8E84-426E-40dd-AFC4-6F175D3DCCD1}">
-              <a14:hiddenFill xmlns:a14="http://schemas.microsoft.com/office/drawing/2010/main">
-                <a:solidFill>
-                  <a:srgbClr val="FFFFFF"/>
-                </a:solidFill>
-              </a14:hiddenFill>
-            </a:ext>
-            <a:ext uri="{91240B29-F687-4f45-9708-019B960494DF}">
-              <a14:hiddenLine xmlns:a14="http://schemas.microsoft.com/office/drawing/2010/main" w="9525">
-                <a:solidFill>
-                  <a:srgbClr val="000000"/>
-                </a:solidFill>
-                <a:miter lim="800000"/>
-                <a:headEnd/>
-                <a:tailEnd/>
-              </a14:hiddenLine>
-            </a:ext>
-          </a:extLst>
-        </p:spPr>
-      </p:pic>
-      <p:pic>
-        <p:nvPicPr>
-          <p:cNvPr id="32" name="Picture 18"/>
-          <p:cNvPicPr>
-            <a:picLocks noChangeAspect="1"/>
-          </p:cNvPicPr>
-          <p:nvPr/>
-        </p:nvPicPr>
-        <p:blipFill>
-          <a:blip r:embed="rId12">
-            <a:extLst>
-              <a:ext uri="{28A0092B-C50C-407E-A947-70E740481C1C}">
-                <a14:useLocalDpi xmlns:a14="http://schemas.microsoft.com/office/drawing/2010/main" val="0"/>
-              </a:ext>
-            </a:extLst>
-          </a:blip>
-          <a:srcRect/>
-          <a:stretch>
-            <a:fillRect/>
-          </a:stretch>
-        </p:blipFill>
-        <p:spPr bwMode="auto">
-          <a:xfrm>
-            <a:off x="4343499" y="2948039"/>
-            <a:ext cx="1152634" cy="480264"/>
-          </a:xfrm>
-          <a:prstGeom prst="rect">
-            <a:avLst/>
-          </a:prstGeom>
-          <a:noFill/>
-          <a:ln>
-            <a:noFill/>
-          </a:ln>
-          <a:extLst>
-            <a:ext uri="{909E8E84-426E-40dd-AFC4-6F175D3DCCD1}">
-              <a14:hiddenFill xmlns:a14="http://schemas.microsoft.com/office/drawing/2010/main">
-                <a:solidFill>
-                  <a:srgbClr val="FFFFFF"/>
-                </a:solidFill>
-              </a14:hiddenFill>
-            </a:ext>
-            <a:ext uri="{91240B29-F687-4f45-9708-019B960494DF}">
-              <a14:hiddenLine xmlns:a14="http://schemas.microsoft.com/office/drawing/2010/main" w="9525">
-                <a:solidFill>
-                  <a:srgbClr val="000000"/>
-                </a:solidFill>
-                <a:miter lim="800000"/>
-                <a:headEnd/>
-                <a:tailEnd/>
-              </a14:hiddenLine>
-            </a:ext>
-          </a:extLst>
-        </p:spPr>
-      </p:pic>
-      <p:pic>
-        <p:nvPicPr>
-          <p:cNvPr id="33" name="Picture 19"/>
-          <p:cNvPicPr>
-            <a:picLocks noChangeAspect="1"/>
-          </p:cNvPicPr>
-          <p:nvPr/>
-        </p:nvPicPr>
-        <p:blipFill>
-          <a:blip r:embed="rId13">
-            <a:extLst>
-              <a:ext uri="{28A0092B-C50C-407E-A947-70E740481C1C}">
-                <a14:useLocalDpi xmlns:a14="http://schemas.microsoft.com/office/drawing/2010/main" val="0"/>
-              </a:ext>
-            </a:extLst>
-          </a:blip>
-          <a:srcRect/>
-          <a:stretch>
-            <a:fillRect/>
-          </a:stretch>
-        </p:blipFill>
-        <p:spPr bwMode="auto">
-          <a:xfrm>
-            <a:off x="2546791" y="2948040"/>
-            <a:ext cx="1376599" cy="582499"/>
-          </a:xfrm>
-          <a:prstGeom prst="rect">
-            <a:avLst/>
-          </a:prstGeom>
-          <a:noFill/>
-          <a:ln>
-            <a:noFill/>
-          </a:ln>
-          <a:extLst>
-            <a:ext uri="{909E8E84-426E-40dd-AFC4-6F175D3DCCD1}">
-              <a14:hiddenFill xmlns:a14="http://schemas.microsoft.com/office/drawing/2010/main">
-                <a:solidFill>
-                  <a:srgbClr val="FFFFFF"/>
-                </a:solidFill>
-              </a14:hiddenFill>
-            </a:ext>
-            <a:ext uri="{91240B29-F687-4f45-9708-019B960494DF}">
-              <a14:hiddenLine xmlns:a14="http://schemas.microsoft.com/office/drawing/2010/main" w="9525">
-                <a:solidFill>
-                  <a:srgbClr val="000000"/>
-                </a:solidFill>
-                <a:miter lim="800000"/>
-                <a:headEnd/>
-                <a:tailEnd/>
-              </a14:hiddenLine>
-            </a:ext>
-          </a:extLst>
-        </p:spPr>
-      </p:pic>
-      <p:pic>
-        <p:nvPicPr>
-          <p:cNvPr id="34" name="Picture 20"/>
-          <p:cNvPicPr>
-            <a:picLocks noChangeAspect="1"/>
-          </p:cNvPicPr>
-          <p:nvPr/>
-        </p:nvPicPr>
-        <p:blipFill>
-          <a:blip r:embed="rId14">
-            <a:extLst>
-              <a:ext uri="{28A0092B-C50C-407E-A947-70E740481C1C}">
-                <a14:useLocalDpi xmlns:a14="http://schemas.microsoft.com/office/drawing/2010/main" val="0"/>
-              </a:ext>
-            </a:extLst>
-          </a:blip>
-          <a:srcRect/>
-          <a:stretch>
-            <a:fillRect/>
-          </a:stretch>
-        </p:blipFill>
-        <p:spPr bwMode="auto">
-          <a:xfrm>
-            <a:off x="4409122" y="3956149"/>
-            <a:ext cx="1088441" cy="342367"/>
-          </a:xfrm>
-          <a:prstGeom prst="rect">
-            <a:avLst/>
-          </a:prstGeom>
-          <a:noFill/>
-          <a:ln>
-            <a:noFill/>
-          </a:ln>
-          <a:extLst>
-            <a:ext uri="{909E8E84-426E-40dd-AFC4-6F175D3DCCD1}">
-              <a14:hiddenFill xmlns:a14="http://schemas.microsoft.com/office/drawing/2010/main">
-                <a:solidFill>
-                  <a:srgbClr val="FFFFFF"/>
-                </a:solidFill>
-              </a14:hiddenFill>
-            </a:ext>
-            <a:ext uri="{91240B29-F687-4f45-9708-019B960494DF}">
-              <a14:hiddenLine xmlns:a14="http://schemas.microsoft.com/office/drawing/2010/main" w="9525">
-                <a:solidFill>
-                  <a:srgbClr val="000000"/>
-                </a:solidFill>
-                <a:miter lim="800000"/>
-                <a:headEnd/>
-                <a:tailEnd/>
-              </a14:hiddenLine>
-            </a:ext>
-          </a:extLst>
-        </p:spPr>
-      </p:pic>
-      <p:pic>
-        <p:nvPicPr>
-          <p:cNvPr id="35" name="Picture 22" descr="logo_waikato.png"/>
-          <p:cNvPicPr>
-            <a:picLocks noChangeAspect="1"/>
-          </p:cNvPicPr>
-          <p:nvPr/>
-        </p:nvPicPr>
-        <p:blipFill>
-          <a:blip r:embed="rId15" cstate="print">
-            <a:extLst>
-              <a:ext uri="{28A0092B-C50C-407E-A947-70E740481C1C}">
-                <a14:useLocalDpi xmlns:a14="http://schemas.microsoft.com/office/drawing/2010/main" val="0"/>
-              </a:ext>
-            </a:extLst>
-          </a:blip>
-          <a:srcRect/>
-          <a:stretch>
-            <a:fillRect/>
-          </a:stretch>
-        </p:blipFill>
-        <p:spPr bwMode="auto">
-          <a:xfrm>
-            <a:off x="2434092" y="3877095"/>
-            <a:ext cx="1557768" cy="500473"/>
-          </a:xfrm>
-          <a:prstGeom prst="rect">
-            <a:avLst/>
-          </a:prstGeom>
-          <a:noFill/>
-          <a:ln>
-            <a:noFill/>
-          </a:ln>
-          <a:extLst>
-            <a:ext uri="{909E8E84-426E-40dd-AFC4-6F175D3DCCD1}">
-              <a14:hiddenFill xmlns:a14="http://schemas.microsoft.com/office/drawing/2010/main">
-                <a:solidFill>
-                  <a:srgbClr val="FFFFFF"/>
-                </a:solidFill>
-              </a14:hiddenFill>
-            </a:ext>
-            <a:ext uri="{91240B29-F687-4f45-9708-019B960494DF}">
-              <a14:hiddenLine xmlns:a14="http://schemas.microsoft.com/office/drawing/2010/main" w="9525">
-                <a:solidFill>
-                  <a:srgbClr val="000000"/>
-                </a:solidFill>
-                <a:miter lim="800000"/>
-                <a:headEnd/>
-                <a:tailEnd/>
-              </a14:hiddenLine>
-            </a:ext>
-          </a:extLst>
-        </p:spPr>
-      </p:pic>
-      <p:pic>
-        <p:nvPicPr>
-          <p:cNvPr id="36" name="Picture 23" descr="logo_cant.png"/>
-          <p:cNvPicPr>
-            <a:picLocks noChangeAspect="1"/>
-          </p:cNvPicPr>
-          <p:nvPr/>
-        </p:nvPicPr>
-        <p:blipFill>
-          <a:blip r:embed="rId16" cstate="print">
-            <a:extLst>
-              <a:ext uri="{28A0092B-C50C-407E-A947-70E740481C1C}">
-                <a14:useLocalDpi xmlns:a14="http://schemas.microsoft.com/office/drawing/2010/main" val="0"/>
-              </a:ext>
-            </a:extLst>
-          </a:blip>
-          <a:srcRect/>
-          <a:stretch>
-            <a:fillRect/>
-          </a:stretch>
-        </p:blipFill>
-        <p:spPr bwMode="auto">
-          <a:xfrm>
-            <a:off x="2563906" y="1812021"/>
-            <a:ext cx="1099852" cy="701376"/>
-          </a:xfrm>
-          <a:prstGeom prst="rect">
-            <a:avLst/>
-          </a:prstGeom>
-          <a:noFill/>
-          <a:ln>
-            <a:noFill/>
-          </a:ln>
-          <a:extLst>
-            <a:ext uri="{909E8E84-426E-40dd-AFC4-6F175D3DCCD1}">
-              <a14:hiddenFill xmlns:a14="http://schemas.microsoft.com/office/drawing/2010/main">
-                <a:solidFill>
-                  <a:srgbClr val="FFFFFF"/>
-                </a:solidFill>
-              </a14:hiddenFill>
-            </a:ext>
-            <a:ext uri="{91240B29-F687-4f45-9708-019B960494DF}">
-              <a14:hiddenLine xmlns:a14="http://schemas.microsoft.com/office/drawing/2010/main" w="9525">
-                <a:solidFill>
-                  <a:srgbClr val="000000"/>
-                </a:solidFill>
-                <a:miter lim="800000"/>
-                <a:headEnd/>
-                <a:tailEnd/>
-              </a14:hiddenLine>
-            </a:ext>
-          </a:extLst>
-        </p:spPr>
-      </p:pic>
-      <p:sp>
-        <p:nvSpPr>
-          <p:cNvPr id="8" name="Footer Placeholder 7"/>
-          <p:cNvSpPr>
-            <a:spLocks noGrp="1"/>
-          </p:cNvSpPr>
-          <p:nvPr>
-            <p:ph type="ftr" sz="quarter" idx="11"/>
-          </p:nvPr>
-        </p:nvSpPr>
-        <p:spPr>
-          <a:xfrm>
-            <a:off x="2450438" y="4875493"/>
-            <a:ext cx="3133645" cy="129828"/>
-          </a:xfrm>
-        </p:spPr>
-        <p:txBody>
-          <a:bodyPr/>
-          <a:lstStyle/>
-          <a:p>
-            <a:r>
-              <a:rPr lang="en-NZ" smtClean="0"/>
-              <a:t>Growth and  development of future capabilities</a:t>
-            </a:r>
-            <a:endParaRPr lang="en-NZ" dirty="0"/>
-          </a:p>
-        </p:txBody>
-      </p:sp>
-      <p:sp>
-        <p:nvSpPr>
-          <p:cNvPr id="10" name="Date Placeholder 9"/>
-          <p:cNvSpPr>
-            <a:spLocks noGrp="1"/>
-          </p:cNvSpPr>
-          <p:nvPr>
-            <p:ph type="dt" sz="half" idx="10"/>
+            <p:ph type="ftr" sz="quarter" idx="13"/>
           </p:nvPr>
         </p:nvSpPr>
         <p:spPr/>
@@ -14765,9 +14632,32 @@
           <a:bodyPr/>
           <a:lstStyle/>
           <a:p>
-            <a:fld id="{DE1DE8C1-F58E-4E9E-B15B-8A6321BD46C2}" type="datetime1">
+            <a:r>
               <a:rPr lang="en-NZ" smtClean="0"/>
-              <a:t>26/06/14</a:t>
+              <a:t>Growth and  development of future capabilities</a:t>
+            </a:r>
+            <a:endParaRPr lang="en-NZ" dirty="0"/>
+          </a:p>
+        </p:txBody>
+      </p:sp>
+      <p:sp>
+        <p:nvSpPr>
+          <p:cNvPr id="3" name="Date Placeholder 2"/>
+          <p:cNvSpPr>
+            <a:spLocks noGrp="1"/>
+          </p:cNvSpPr>
+          <p:nvPr>
+            <p:ph type="dt" sz="half" idx="14"/>
+          </p:nvPr>
+        </p:nvSpPr>
+        <p:spPr/>
+        <p:txBody>
+          <a:bodyPr/>
+          <a:lstStyle/>
+          <a:p>
+            <a:fld id="{F9E6DB96-8045-4F16-B085-AD51FE3EDF10}" type="datetime1">
+              <a:rPr lang="en-NZ" smtClean="0"/>
+              <a:t>20/05/2016</a:t>
             </a:fld>
             <a:endParaRPr lang="en-NZ" dirty="0"/>
           </a:p>
@@ -14776,7 +14666,7 @@
     </p:spTree>
     <p:extLst>
       <p:ext uri="{BB962C8B-B14F-4D97-AF65-F5344CB8AC3E}">
-        <p14:creationId xmlns:p14="http://schemas.microsoft.com/office/powerpoint/2010/main" val="146838051"/>
+        <p14:creationId xmlns:p14="http://schemas.microsoft.com/office/powerpoint/2010/main" val="3993191822"/>
       </p:ext>
     </p:extLst>
   </p:cSld>
@@ -14786,7 +14676,7 @@
   <p:timing>
     <p:tnLst>
       <p:par>
-        <p:cTn xmlns:p14="http://schemas.microsoft.com/office/powerpoint/2010/main" id="1" dur="indefinite" restart="never" nodeType="tmRoot"/>
+        <p:cTn id="1" dur="indefinite" restart="never" nodeType="tmRoot"/>
       </p:par>
     </p:tnLst>
   </p:timing>
@@ -14822,8 +14712,8 @@
         </p:nvSpPr>
         <p:spPr>
           <a:xfrm>
-            <a:off x="211138" y="1404939"/>
-            <a:ext cx="6475412" cy="3022600"/>
+            <a:off x="237094" y="1695540"/>
+            <a:ext cx="8091349" cy="3022600"/>
           </a:xfrm>
         </p:spPr>
         <p:txBody>
@@ -14832,83 +14722,82 @@
           </a:bodyPr>
           <a:lstStyle/>
           <a:p>
-            <a:pPr defTabSz="447675">
-              <a:buNone/>
+            <a:pPr marL="342900" indent="-342900" defTabSz="447675">
+              <a:buFont typeface="Arial" panose="020B0604020202020204" pitchFamily="34" charset="0"/>
+              <a:buChar char="•"/>
             </a:pPr>
             <a:r>
-              <a:rPr lang="en-NZ" b="1" dirty="0" err="1" smtClean="0"/>
-              <a:t>iDataPlex</a:t>
-            </a:r>
-            <a:r>
-              <a:rPr lang="en-NZ" b="1" dirty="0" smtClean="0"/>
+              <a:rPr lang="en-NZ" dirty="0" smtClean="0"/>
+              <a:t>Dec26 simulation 32 procs (58min on BG/P):</a:t>
+            </a:r>
+          </a:p>
+          <a:p>
+            <a:pPr marL="790575" lvl="1" indent="-342900" defTabSz="447675">
+              <a:buFont typeface="Arial" panose="020B0604020202020204" pitchFamily="34" charset="0"/>
+              <a:buChar char="•"/>
+            </a:pPr>
+            <a:r>
+              <a:rPr lang="en-NZ" dirty="0" smtClean="0"/>
+              <a:t>Default: </a:t>
+            </a:r>
+            <a:r>
+              <a:rPr lang="en-NZ" dirty="0" smtClean="0">
+                <a:solidFill>
+                  <a:srgbClr val="FF0000"/>
+                </a:solidFill>
+              </a:rPr>
+              <a:t>7m26s</a:t>
+            </a:r>
+          </a:p>
+          <a:p>
+            <a:pPr marL="790575" lvl="1" indent="-342900" defTabSz="447675">
+              <a:buFont typeface="Arial" panose="020B0604020202020204" pitchFamily="34" charset="0"/>
+              <a:buChar char="•"/>
+            </a:pPr>
+            <a:r>
+              <a:rPr lang="en-NZ" dirty="0" smtClean="0"/>
+              <a:t>Aggressive: </a:t>
+            </a:r>
+            <a:r>
+              <a:rPr lang="en-NZ" dirty="0" smtClean="0">
+                <a:solidFill>
+                  <a:srgbClr val="00B050"/>
+                </a:solidFill>
+              </a:rPr>
+              <a:t>6m56s</a:t>
+            </a:r>
+            <a:r>
+              <a:rPr lang="en-NZ" dirty="0" smtClean="0"/>
               <a:t> </a:t>
             </a:r>
-            <a:r>
-              <a:rPr lang="en-NZ" b="1" dirty="0"/>
-              <a:t>Intel processor Cluster (IBM), </a:t>
-            </a:r>
-            <a:r>
-              <a:rPr lang="en-NZ" b="1" dirty="0" smtClean="0"/>
-              <a:t/>
-            </a:r>
-            <a:br>
-              <a:rPr lang="en-NZ" b="1" dirty="0" smtClean="0"/>
-            </a:br>
+            <a:endParaRPr lang="en-NZ" dirty="0" smtClean="0"/>
+          </a:p>
+          <a:p>
+            <a:pPr marL="342900" indent="-342900" defTabSz="447675">
+              <a:buFont typeface="Arial" panose="020B0604020202020204" pitchFamily="34" charset="0"/>
+              <a:buChar char="•"/>
+            </a:pPr>
             <a:r>
               <a:rPr lang="en-NZ" dirty="0" smtClean="0"/>
-              <a:t>large node memory </a:t>
-            </a:r>
-            <a:r>
-              <a:rPr lang="en-NZ" dirty="0"/>
-              <a:t>+ exotic hardware </a:t>
-            </a:r>
-            <a:br>
-              <a:rPr lang="en-NZ" dirty="0"/>
-            </a:br>
+              <a:t>LPSim-2010Sept4_v1_Cantv1_64-h0.100_v3.04_Test runs in 107m31s</a:t>
+            </a:r>
+          </a:p>
+          <a:p>
+            <a:pPr marL="790575" lvl="1" indent="-342900" defTabSz="447675">
+              <a:buFont typeface="Arial" panose="020B0604020202020204" pitchFamily="34" charset="0"/>
+              <a:buChar char="•"/>
+            </a:pPr>
+            <a:r>
+              <a:rPr lang="en-NZ" dirty="0" smtClean="0">
+                <a:solidFill>
+                  <a:srgbClr val="00B050"/>
+                </a:solidFill>
+              </a:rPr>
+              <a:t>8x faster</a:t>
+            </a:r>
             <a:r>
               <a:rPr lang="en-NZ" dirty="0" smtClean="0"/>
-              <a:t>(</a:t>
-            </a:r>
-            <a:r>
-              <a:rPr lang="en-NZ" dirty="0"/>
-              <a:t>i.e. GPGPUs)</a:t>
-            </a:r>
-          </a:p>
-          <a:p>
-            <a:pPr lvl="1" defTabSz="447675"/>
-            <a:r>
-              <a:rPr lang="en-NZ" dirty="0"/>
-              <a:t>Breadth and Capacity profiles</a:t>
-            </a:r>
-          </a:p>
-          <a:p>
-            <a:pPr lvl="1" defTabSz="447675">
-              <a:spcBef>
-                <a:spcPts val="600"/>
-              </a:spcBef>
-            </a:pPr>
-            <a:r>
-              <a:rPr lang="en-NZ" dirty="0"/>
-              <a:t>Optimised for Embarrassingly Parallel </a:t>
-            </a:r>
-            <a:r>
-              <a:rPr lang="en-NZ" dirty="0" smtClean="0"/>
-              <a:t/>
-            </a:r>
-            <a:br>
-              <a:rPr lang="en-NZ" dirty="0" smtClean="0"/>
-            </a:br>
-            <a:r>
-              <a:rPr lang="en-NZ" dirty="0" smtClean="0"/>
-              <a:t>and </a:t>
-            </a:r>
-            <a:r>
-              <a:rPr lang="en-NZ" dirty="0"/>
-              <a:t>Highly Scalable </a:t>
-            </a:r>
-            <a:r>
-              <a:rPr lang="en-NZ" dirty="0" smtClean="0"/>
-              <a:t>problems</a:t>
+              <a:t> on Fitzroy compared to BG/P (same proc count)</a:t>
             </a:r>
             <a:endParaRPr lang="en-NZ" dirty="0"/>
           </a:p>
@@ -14955,17 +14844,17 @@
           <a:p>
             <a:pPr marL="0" indent="0" defTabSz="447675"/>
             <a:r>
-              <a:rPr lang="en-NZ" dirty="0"/>
-              <a:t>Pan, </a:t>
-            </a:r>
-            <a:r>
-              <a:rPr lang="en-NZ" dirty="0" err="1"/>
-              <a:t>NeSI</a:t>
-            </a:r>
-            <a:r>
-              <a:rPr lang="en-NZ" dirty="0"/>
-              <a:t> @ Auckland</a:t>
-            </a:r>
+              <a:rPr lang="en-NZ" dirty="0" smtClean="0"/>
+              <a:t>25% performance improvement through careful</a:t>
+            </a:r>
+            <a:br>
+              <a:rPr lang="en-NZ" dirty="0" smtClean="0"/>
+            </a:br>
+            <a:r>
+              <a:rPr lang="en-NZ" dirty="0" smtClean="0"/>
+              <a:t>choice of compiler options on Fitzroy</a:t>
+            </a:r>
+            <a:endParaRPr lang="en-NZ" dirty="0"/>
           </a:p>
         </p:txBody>
       </p:sp>
@@ -15009,7 +14898,7 @@
           <a:p>
             <a:fld id="{F9E6DB96-8045-4F16-B085-AD51FE3EDF10}" type="datetime1">
               <a:rPr lang="en-NZ" smtClean="0"/>
-              <a:t>26/06/14</a:t>
+              <a:t>20/05/2016</a:t>
             </a:fld>
             <a:endParaRPr lang="en-NZ" dirty="0"/>
           </a:p>
@@ -15018,7 +14907,7 @@
     </p:spTree>
     <p:extLst>
       <p:ext uri="{BB962C8B-B14F-4D97-AF65-F5344CB8AC3E}">
-        <p14:creationId xmlns:p14="http://schemas.microsoft.com/office/powerpoint/2010/main" val="3142877913"/>
+        <p14:creationId xmlns:p14="http://schemas.microsoft.com/office/powerpoint/2010/main" val="736902906"/>
       </p:ext>
     </p:extLst>
   </p:cSld>
@@ -15028,7 +14917,7 @@
   <p:timing>
     <p:tnLst>
       <p:par>
-        <p:cTn xmlns:p14="http://schemas.microsoft.com/office/powerpoint/2010/main" id="1" dur="indefinite" restart="never" nodeType="tmRoot"/>
+        <p:cTn id="1" dur="indefinite" restart="never" nodeType="tmRoot"/>
       </p:par>
     </p:tnLst>
   </p:timing>
@@ -15052,141 +14941,35 @@
           <a:chExt cx="0" cy="0"/>
         </a:xfrm>
       </p:grpSpPr>
-      <p:sp>
-        <p:nvSpPr>
-          <p:cNvPr id="2" name="Content Placeholder 1"/>
-          <p:cNvSpPr>
-            <a:spLocks noGrp="1"/>
-          </p:cNvSpPr>
+      <p:pic>
+        <p:nvPicPr>
+          <p:cNvPr id="4" name="Content Placeholder 3"/>
+          <p:cNvPicPr>
+            <a:picLocks noGrp="1" noChangeAspect="1"/>
+          </p:cNvPicPr>
           <p:nvPr>
             <p:ph idx="1"/>
           </p:nvPr>
-        </p:nvSpPr>
-        <p:spPr/>
-        <p:txBody>
-          <a:bodyPr wrap="none">
-            <a:noAutofit/>
-          </a:bodyPr>
-          <a:lstStyle/>
-          <a:p>
-            <a:pPr defTabSz="447675">
-              <a:buNone/>
-            </a:pPr>
-            <a:r>
-              <a:rPr lang="en-NZ" dirty="0" err="1">
-                <a:latin typeface="+mj-lt"/>
-              </a:rPr>
-              <a:t>BlueGene</a:t>
-            </a:r>
-            <a:r>
-              <a:rPr lang="en-NZ" dirty="0">
-                <a:latin typeface="+mj-lt"/>
-              </a:rPr>
-              <a:t>/P Supercomputer (IBM)</a:t>
-            </a:r>
-          </a:p>
-          <a:p>
-            <a:pPr lvl="1" defTabSz="447675"/>
-            <a:r>
-              <a:rPr lang="en-NZ" dirty="0"/>
-              <a:t>Capability &amp; Breadth </a:t>
-            </a:r>
-            <a:r>
-              <a:rPr lang="en-NZ" dirty="0" smtClean="0"/>
-              <a:t>profiles</a:t>
-            </a:r>
-          </a:p>
-          <a:p>
-            <a:pPr lvl="1" defTabSz="447675">
-              <a:spcBef>
-                <a:spcPts val="600"/>
-              </a:spcBef>
-            </a:pPr>
-            <a:r>
-              <a:rPr lang="en-NZ" dirty="0" smtClean="0"/>
-              <a:t>Optimised </a:t>
-            </a:r>
-            <a:r>
-              <a:rPr lang="en-NZ" dirty="0"/>
-              <a:t>for Embarrassingly </a:t>
-            </a:r>
-            <a:endParaRPr lang="en-NZ" dirty="0" smtClean="0"/>
-          </a:p>
-          <a:p>
-            <a:pPr lvl="1" defTabSz="447675">
-              <a:spcBef>
-                <a:spcPts val="600"/>
-              </a:spcBef>
-            </a:pPr>
-            <a:r>
-              <a:rPr lang="en-NZ" dirty="0" smtClean="0"/>
-              <a:t>Parallel </a:t>
-            </a:r>
-            <a:r>
-              <a:rPr lang="en-NZ" dirty="0"/>
-              <a:t>&amp; Highly Scalable problems</a:t>
-            </a:r>
-          </a:p>
-          <a:p>
-            <a:pPr defTabSz="447675">
-              <a:buNone/>
-            </a:pPr>
-            <a:r>
-              <a:rPr lang="en-NZ" dirty="0">
-                <a:latin typeface="+mj-lt"/>
-              </a:rPr>
-              <a:t>+ </a:t>
-            </a:r>
-            <a:r>
-              <a:rPr lang="en-NZ" dirty="0" err="1">
-                <a:latin typeface="+mj-lt"/>
-              </a:rPr>
-              <a:t>startup</a:t>
-            </a:r>
-            <a:r>
-              <a:rPr lang="en-NZ" dirty="0">
-                <a:latin typeface="+mj-lt"/>
-              </a:rPr>
-              <a:t> systems</a:t>
-            </a:r>
-          </a:p>
-          <a:p>
-            <a:pPr lvl="1" defTabSz="447675"/>
-            <a:r>
-              <a:rPr lang="en-NZ" sz="2000" dirty="0"/>
-              <a:t>p755/POWER7 </a:t>
-            </a:r>
-            <a:r>
-              <a:rPr lang="en-NZ" sz="2000" dirty="0" smtClean="0"/>
-              <a:t>cluster</a:t>
-            </a:r>
-          </a:p>
-          <a:p>
-            <a:pPr lvl="1" defTabSz="447675">
-              <a:spcBef>
-                <a:spcPts val="600"/>
-              </a:spcBef>
-            </a:pPr>
-            <a:r>
-              <a:rPr lang="en-NZ" sz="2000" dirty="0" err="1" smtClean="0"/>
-              <a:t>iDataPlex</a:t>
-            </a:r>
-            <a:r>
-              <a:rPr lang="en-NZ" sz="2000" dirty="0" smtClean="0"/>
-              <a:t> </a:t>
-            </a:r>
-            <a:r>
-              <a:rPr lang="en-NZ" sz="2000" dirty="0"/>
-              <a:t>Visualisation </a:t>
-            </a:r>
-            <a:r>
-              <a:rPr lang="en-NZ" sz="2000" dirty="0" smtClean="0"/>
-              <a:t>Cluster</a:t>
-            </a:r>
-            <a:endParaRPr lang="en-NZ" sz="2000" dirty="0"/>
-          </a:p>
-        </p:txBody>
-      </p:sp>
+        </p:nvPicPr>
+        <p:blipFill>
+          <a:blip r:embed="rId3">
+            <a:extLst>
+              <a:ext uri="{28A0092B-C50C-407E-A947-70E740481C1C}">
+                <a14:useLocalDpi xmlns:a14="http://schemas.microsoft.com/office/drawing/2010/main" val="0"/>
+              </a:ext>
+            </a:extLst>
+          </a:blip>
+          <a:stretch>
+            <a:fillRect/>
+          </a:stretch>
+        </p:blipFill>
+        <p:spPr>
+          <a:xfrm>
+            <a:off x="1535764" y="1060450"/>
+            <a:ext cx="5502559" cy="3022600"/>
+          </a:xfrm>
+        </p:spPr>
+      </p:pic>
       <p:sp>
         <p:nvSpPr>
           <p:cNvPr id="5" name="Slide Number Placeholder 4"/>
@@ -15228,71 +15011,16 @@
           <a:p>
             <a:pPr marL="0" indent="0" defTabSz="447675"/>
             <a:r>
-              <a:rPr lang="en-NZ" dirty="0"/>
-              <a:t>Foster, </a:t>
-            </a:r>
-            <a:r>
-              <a:rPr lang="en-NZ" dirty="0" err="1"/>
-              <a:t>NeSI</a:t>
-            </a:r>
-            <a:r>
-              <a:rPr lang="en-NZ" dirty="0"/>
-              <a:t> @ Canterbury</a:t>
-            </a:r>
+              <a:rPr lang="en-NZ" dirty="0" smtClean="0"/>
+              <a:t>40% parallel efficiency in 1-32 proc range </a:t>
+            </a:r>
+            <a:endParaRPr lang="en-NZ" dirty="0"/>
           </a:p>
         </p:txBody>
       </p:sp>
-      <p:pic>
-        <p:nvPicPr>
-          <p:cNvPr id="8" name="Picture 3"/>
-          <p:cNvPicPr>
-            <a:picLocks noChangeAspect="1" noChangeArrowheads="1"/>
-          </p:cNvPicPr>
-          <p:nvPr/>
-        </p:nvPicPr>
-        <p:blipFill rotWithShape="1">
-          <a:blip r:embed="rId3" cstate="print">
-            <a:extLst>
-              <a:ext uri="{28A0092B-C50C-407E-A947-70E740481C1C}">
-                <a14:useLocalDpi xmlns:a14="http://schemas.microsoft.com/office/drawing/2010/main" val="0"/>
-              </a:ext>
-            </a:extLst>
-          </a:blip>
-          <a:srcRect l="4846" t="8111" r="4846" b="13299"/>
-          <a:stretch/>
-        </p:blipFill>
-        <p:spPr bwMode="auto">
-          <a:xfrm>
-            <a:off x="5975349" y="1543052"/>
-            <a:ext cx="2806700" cy="2806700"/>
-          </a:xfrm>
-          <a:prstGeom prst="ellipse">
-            <a:avLst/>
-          </a:prstGeom>
-          <a:ln w="3175">
-            <a:solidFill>
-              <a:schemeClr val="tx2"/>
-            </a:solidFill>
-            <a:prstDash val="solid"/>
-            <a:miter lim="800000"/>
-            <a:headEnd/>
-            <a:tailEnd/>
-          </a:ln>
-          <a:effectLst/>
-          <a:extLst>
-            <a:ext uri="{909E8E84-426E-40dd-AFC4-6F175D3DCCD1}">
-              <a14:hiddenFill xmlns:a14="http://schemas.microsoft.com/office/drawing/2010/main">
-                <a:solidFill>
-                  <a:schemeClr val="accent1"/>
-                </a:solidFill>
-              </a14:hiddenFill>
-            </a:ext>
-          </a:extLst>
-        </p:spPr>
-      </p:pic>
       <p:sp>
         <p:nvSpPr>
-          <p:cNvPr id="3" name="Footer Placeholder 2"/>
+          <p:cNvPr id="2" name="Footer Placeholder 1"/>
           <p:cNvSpPr>
             <a:spLocks noGrp="1"/>
           </p:cNvSpPr>
@@ -15315,7 +15043,7 @@
       </p:sp>
       <p:sp>
         <p:nvSpPr>
-          <p:cNvPr id="4" name="Date Placeholder 3"/>
+          <p:cNvPr id="3" name="Date Placeholder 2"/>
           <p:cNvSpPr>
             <a:spLocks noGrp="1"/>
           </p:cNvSpPr>
@@ -15328,9 +15056,9 @@
           <a:bodyPr/>
           <a:lstStyle/>
           <a:p>
-            <a:fld id="{7E6BC1DB-D995-495C-8014-CAFF9EF1EEB0}" type="datetime1">
+            <a:fld id="{F9E6DB96-8045-4F16-B085-AD51FE3EDF10}" type="datetime1">
               <a:rPr lang="en-NZ" smtClean="0"/>
-              <a:t>26/06/14</a:t>
+              <a:t>20/05/2016</a:t>
             </a:fld>
             <a:endParaRPr lang="en-NZ" dirty="0"/>
           </a:p>
@@ -15339,7 +15067,7 @@
     </p:spTree>
     <p:extLst>
       <p:ext uri="{BB962C8B-B14F-4D97-AF65-F5344CB8AC3E}">
-        <p14:creationId xmlns:p14="http://schemas.microsoft.com/office/powerpoint/2010/main" val="1646171828"/>
+        <p14:creationId xmlns:p14="http://schemas.microsoft.com/office/powerpoint/2010/main" val="4033290079"/>
       </p:ext>
     </p:extLst>
   </p:cSld>
@@ -15349,78 +15077,7 @@
   <p:timing>
     <p:tnLst>
       <p:par>
-        <p:cTn xmlns:p14="http://schemas.microsoft.com/office/powerpoint/2010/main" id="1" dur="indefinite" restart="never" nodeType="tmRoot">
-          <p:childTnLst>
-            <p:seq concurrent="1" nextAc="seek">
-              <p:cTn id="2" dur="indefinite" nodeType="mainSeq">
-                <p:childTnLst>
-                  <p:par>
-                    <p:cTn id="3" fill="hold">
-                      <p:stCondLst>
-                        <p:cond delay="indefinite"/>
-                        <p:cond evt="onBegin" delay="0">
-                          <p:tn val="2"/>
-                        </p:cond>
-                      </p:stCondLst>
-                      <p:childTnLst>
-                        <p:par>
-                          <p:cTn id="4" fill="hold">
-                            <p:stCondLst>
-                              <p:cond delay="0"/>
-                            </p:stCondLst>
-                            <p:childTnLst>
-                              <p:par>
-                                <p:cTn id="5" presetID="1" presetClass="entr" presetSubtype="0" fill="hold" nodeType="withEffect">
-                                  <p:stCondLst>
-                                    <p:cond delay="0"/>
-                                  </p:stCondLst>
-                                  <p:childTnLst>
-                                    <p:set>
-                                      <p:cBhvr>
-                                        <p:cTn id="6" dur="1" fill="hold">
-                                          <p:stCondLst>
-                                            <p:cond delay="0"/>
-                                          </p:stCondLst>
-                                        </p:cTn>
-                                        <p:tgtEl>
-                                          <p:spTgt spid="8"/>
-                                        </p:tgtEl>
-                                        <p:attrNameLst>
-                                          <p:attrName>style.visibility</p:attrName>
-                                        </p:attrNameLst>
-                                      </p:cBhvr>
-                                      <p:to>
-                                        <p:strVal val="visible"/>
-                                      </p:to>
-                                    </p:set>
-                                  </p:childTnLst>
-                                </p:cTn>
-                              </p:par>
-                            </p:childTnLst>
-                          </p:cTn>
-                        </p:par>
-                      </p:childTnLst>
-                    </p:cTn>
-                  </p:par>
-                </p:childTnLst>
-              </p:cTn>
-              <p:prevCondLst>
-                <p:cond evt="onPrev" delay="0">
-                  <p:tgtEl>
-                    <p:sldTgt/>
-                  </p:tgtEl>
-                </p:cond>
-              </p:prevCondLst>
-              <p:nextCondLst>
-                <p:cond evt="onNext" delay="0">
-                  <p:tgtEl>
-                    <p:sldTgt/>
-                  </p:tgtEl>
-                </p:cond>
-              </p:nextCondLst>
-            </p:seq>
-          </p:childTnLst>
-        </p:cTn>
+        <p:cTn id="1" dur="indefinite" restart="never" nodeType="tmRoot"/>
       </p:par>
     </p:tnLst>
   </p:timing>
@@ -15454,93 +15111,156 @@
             <p:ph idx="1"/>
           </p:nvPr>
         </p:nvSpPr>
-        <p:spPr/>
+        <p:spPr>
+          <a:xfrm>
+            <a:off x="237094" y="1695540"/>
+            <a:ext cx="8091349" cy="3022600"/>
+          </a:xfrm>
+        </p:spPr>
         <p:txBody>
           <a:bodyPr>
             <a:noAutofit/>
           </a:bodyPr>
           <a:lstStyle/>
           <a:p>
-            <a:pPr>
-              <a:buNone/>
-            </a:pPr>
-            <a:r>
-              <a:rPr lang="en-NZ" b="1" dirty="0">
-                <a:latin typeface="+mj-lt"/>
+            <a:pPr defTabSz="447675"/>
+            <a:r>
+              <a:rPr lang="en-NZ" b="1" dirty="0" smtClean="0">
+                <a:solidFill>
+                  <a:schemeClr val="accent6">
+                    <a:lumMod val="75000"/>
+                  </a:schemeClr>
+                </a:solidFill>
+                <a:latin typeface="Courier New" panose="02070309020205020404" pitchFamily="49" charset="0"/>
+                <a:cs typeface="Courier New" panose="02070309020205020404" pitchFamily="49" charset="0"/>
               </a:rPr>
-              <a:t>p575/POWER6 </a:t>
+              <a:t>$ module load tau</a:t>
+            </a:r>
+          </a:p>
+          <a:p>
+            <a:pPr defTabSz="447675"/>
+            <a:r>
+              <a:rPr lang="en-NZ" b="1" dirty="0" smtClean="0">
+                <a:solidFill>
+                  <a:schemeClr val="accent6">
+                    <a:lumMod val="75000"/>
+                  </a:schemeClr>
+                </a:solidFill>
+                <a:latin typeface="Courier New" panose="02070309020205020404" pitchFamily="49" charset="0"/>
+                <a:cs typeface="Courier New" panose="02070309020205020404" pitchFamily="49" charset="0"/>
+              </a:rPr>
+              <a:t>$ </a:t>
+            </a:r>
+            <a:r>
+              <a:rPr lang="en-NZ" b="1" dirty="0" err="1" smtClean="0">
+                <a:solidFill>
+                  <a:schemeClr val="accent6">
+                    <a:lumMod val="75000"/>
+                  </a:schemeClr>
+                </a:solidFill>
+                <a:latin typeface="Courier New" panose="02070309020205020404" pitchFamily="49" charset="0"/>
+                <a:cs typeface="Courier New" panose="02070309020205020404" pitchFamily="49" charset="0"/>
+              </a:rPr>
+              <a:t>cmake</a:t>
+            </a:r>
+            <a:r>
+              <a:rPr lang="en-NZ" b="1" dirty="0" smtClean="0">
+                <a:solidFill>
+                  <a:schemeClr val="accent6">
+                    <a:lumMod val="75000"/>
+                  </a:schemeClr>
+                </a:solidFill>
+                <a:latin typeface="Courier New" panose="02070309020205020404" pitchFamily="49" charset="0"/>
+                <a:cs typeface="Courier New" panose="02070309020205020404" pitchFamily="49" charset="0"/>
+              </a:rPr>
+              <a:t> –D TAU_MAKEFILE=$TAU_MAKEFILE ..</a:t>
+            </a:r>
+          </a:p>
+          <a:p>
+            <a:pPr defTabSz="447675"/>
+            <a:r>
+              <a:rPr lang="en-NZ" dirty="0" smtClean="0"/>
+              <a:t>The TAU compilers will be used to build EMOD3D. These will insert calls to instrumentation libraries. Run your experiments as you would normally. The run will spit out </a:t>
             </a:r>
             <a:r>
               <a:rPr lang="en-NZ" dirty="0" smtClean="0">
-                <a:latin typeface="+mj-lt"/>
+                <a:solidFill>
+                  <a:schemeClr val="accent6">
+                    <a:lumMod val="75000"/>
+                  </a:schemeClr>
+                </a:solidFill>
+                <a:latin typeface="Courier New" panose="02070309020205020404" pitchFamily="49" charset="0"/>
+                <a:cs typeface="Courier New" panose="02070309020205020404" pitchFamily="49" charset="0"/>
               </a:rPr>
-              <a:t/>
-            </a:r>
-            <a:br>
+              <a:t>profile.X.Y</a:t>
+            </a:r>
+            <a:r>
               <a:rPr lang="en-NZ" dirty="0" smtClean="0">
-                <a:latin typeface="+mj-lt"/>
+                <a:solidFill>
+                  <a:schemeClr val="accent6">
+                    <a:lumMod val="75000"/>
+                  </a:schemeClr>
+                </a:solidFill>
+                <a:latin typeface="Courier New" panose="02070309020205020404" pitchFamily="49" charset="0"/>
+                <a:cs typeface="Courier New" panose="02070309020205020404" pitchFamily="49" charset="0"/>
               </a:rPr>
-            </a:br>
-            <a:r>
-              <a:rPr lang="en-NZ" dirty="0" smtClean="0">
-                <a:latin typeface="+mj-lt"/>
+              <a:t>.0</a:t>
+            </a:r>
+            <a:r>
+              <a:rPr lang="en-NZ" dirty="0" smtClean="0"/>
+              <a:t> files where X is the MPI rank and Y the </a:t>
+            </a:r>
+            <a:r>
+              <a:rPr lang="en-NZ" dirty="0" err="1" smtClean="0"/>
+              <a:t>OpenMP</a:t>
+            </a:r>
+            <a:r>
+              <a:rPr lang="en-NZ" dirty="0" smtClean="0"/>
+              <a:t> thread ID.</a:t>
+            </a:r>
+          </a:p>
+          <a:p>
+            <a:pPr defTabSz="447675"/>
+            <a:r>
+              <a:rPr lang="en-NZ" dirty="0" smtClean="0"/>
+              <a:t>Use either </a:t>
+            </a:r>
+            <a:r>
+              <a:rPr lang="en-NZ" dirty="0" err="1" smtClean="0">
+                <a:solidFill>
+                  <a:schemeClr val="accent6">
+                    <a:lumMod val="75000"/>
+                  </a:schemeClr>
+                </a:solidFill>
+                <a:latin typeface="Courier New" panose="02070309020205020404" pitchFamily="49" charset="0"/>
+                <a:cs typeface="Courier New" panose="02070309020205020404" pitchFamily="49" charset="0"/>
               </a:rPr>
-              <a:t>Supercomputer </a:t>
-            </a:r>
-            <a:r>
-              <a:rPr lang="en-NZ" dirty="0">
-                <a:latin typeface="+mj-lt"/>
+              <a:t>pprof</a:t>
+            </a:r>
+            <a:r>
+              <a:rPr lang="en-NZ" dirty="0" smtClean="0"/>
+              <a:t> or </a:t>
+            </a:r>
+            <a:r>
+              <a:rPr lang="en-NZ" dirty="0" err="1" smtClean="0">
+                <a:solidFill>
+                  <a:schemeClr val="accent6">
+                    <a:lumMod val="75000"/>
+                  </a:schemeClr>
+                </a:solidFill>
+                <a:latin typeface="Courier New" panose="02070309020205020404" pitchFamily="49" charset="0"/>
+                <a:cs typeface="Courier New" panose="02070309020205020404" pitchFamily="49" charset="0"/>
               </a:rPr>
-              <a:t>(IBM)</a:t>
-            </a:r>
-          </a:p>
-          <a:p>
-            <a:pPr marL="457146" lvl="1"/>
-            <a:r>
-              <a:rPr lang="en-NZ" dirty="0"/>
-              <a:t>Capability profile</a:t>
-            </a:r>
-          </a:p>
-          <a:p>
-            <a:pPr marL="457146" lvl="1">
-              <a:spcBef>
-                <a:spcPts val="600"/>
-              </a:spcBef>
-            </a:pPr>
-            <a:r>
-              <a:rPr lang="en-NZ" dirty="0"/>
-              <a:t>Optimised for tightly coupled (large) problems</a:t>
-            </a:r>
-          </a:p>
-          <a:p>
-            <a:pPr marL="457146" lvl="1">
-              <a:spcBef>
-                <a:spcPts val="600"/>
-              </a:spcBef>
-            </a:pPr>
-            <a:r>
-              <a:rPr lang="en-NZ" dirty="0"/>
-              <a:t>Operational/production-RAS </a:t>
+              <a:t>paraprof</a:t>
             </a:r>
             <a:r>
               <a:rPr lang="en-NZ" dirty="0" smtClean="0"/>
-              <a:t/>
-            </a:r>
-            <a:br>
-              <a:rPr lang="en-NZ" dirty="0" smtClean="0"/>
-            </a:br>
-            <a:r>
-              <a:rPr lang="en-NZ" dirty="0" smtClean="0"/>
-              <a:t>(</a:t>
-            </a:r>
-            <a:r>
-              <a:rPr lang="en-NZ" dirty="0"/>
-              <a:t>i.e. support levels</a:t>
-            </a:r>
-            <a:r>
-              <a:rPr lang="en-NZ" dirty="0" smtClean="0"/>
-              <a:t>)</a:t>
-            </a:r>
+              <a:t> to analyse the results.</a:t>
+            </a:r>
+            <a:endParaRPr lang="en-NZ" dirty="0"/>
+          </a:p>
+          <a:p>
+            <a:pPr defTabSz="447675"/>
             <a:endParaRPr lang="en-NZ" dirty="0"/>
           </a:p>
         </p:txBody>
@@ -15552,15 +15272,10 @@
             <a:spLocks noGrp="1"/>
           </p:cNvSpPr>
           <p:nvPr>
-            <p:ph type="sldNum" sz="quarter" idx="15"/>
+            <p:ph type="sldNum" sz="quarter" idx="11"/>
           </p:nvPr>
         </p:nvSpPr>
-        <p:spPr>
-          <a:xfrm>
-            <a:off x="8711758" y="4876006"/>
-            <a:ext cx="216024" cy="126763"/>
-          </a:xfrm>
-        </p:spPr>
+        <p:spPr/>
         <p:txBody>
           <a:bodyPr/>
           <a:lstStyle/>
@@ -15589,33 +15304,23 @@
           <a:bodyPr/>
           <a:lstStyle/>
           <a:p>
-            <a:r>
-              <a:rPr lang="en-NZ" dirty="0" err="1"/>
-              <a:t>FitzRoy</a:t>
-            </a:r>
-            <a:r>
-              <a:rPr lang="en-NZ" dirty="0"/>
-              <a:t>, </a:t>
-            </a:r>
-            <a:r>
-              <a:rPr lang="en-NZ" dirty="0" err="1"/>
-              <a:t>NeSI</a:t>
-            </a:r>
-            <a:r>
-              <a:rPr lang="en-NZ" dirty="0"/>
-              <a:t> @ NIWA</a:t>
-            </a:r>
+            <a:pPr marL="0" indent="0" defTabSz="447675"/>
+            <a:r>
+              <a:rPr lang="en-NZ" dirty="0" smtClean="0"/>
+              <a:t>Building with TAU instrumentation enabled</a:t>
+            </a:r>
+            <a:endParaRPr lang="en-NZ" dirty="0"/>
           </a:p>
         </p:txBody>
       </p:sp>
       <p:sp>
         <p:nvSpPr>
-          <p:cNvPr id="4" name="Footer Placeholder 3"/>
+          <p:cNvPr id="2" name="Footer Placeholder 1"/>
           <p:cNvSpPr>
             <a:spLocks noGrp="1"/>
           </p:cNvSpPr>
           <p:nvPr>
-            <p:ph type="ftr" sz="quarter" idx="14"/>
+            <p:ph type="ftr" sz="quarter" idx="13"/>
           </p:nvPr>
         </p:nvSpPr>
         <p:spPr/>
@@ -15633,12 +15338,12 @@
       </p:sp>
       <p:sp>
         <p:nvSpPr>
-          <p:cNvPr id="8" name="Date Placeholder 7"/>
+          <p:cNvPr id="3" name="Date Placeholder 2"/>
           <p:cNvSpPr>
             <a:spLocks noGrp="1"/>
           </p:cNvSpPr>
           <p:nvPr>
-            <p:ph type="dt" sz="half" idx="13"/>
+            <p:ph type="dt" sz="half" idx="14"/>
           </p:nvPr>
         </p:nvSpPr>
         <p:spPr/>
@@ -15646,9 +15351,9 @@
           <a:bodyPr/>
           <a:lstStyle/>
           <a:p>
-            <a:fld id="{A5F933F2-CEB9-48C1-A752-B0BBBE9A4147}" type="datetime1">
+            <a:fld id="{F9E6DB96-8045-4F16-B085-AD51FE3EDF10}" type="datetime1">
               <a:rPr lang="en-NZ" smtClean="0"/>
-              <a:t>26/06/14</a:t>
+              <a:t>20/05/2016</a:t>
             </a:fld>
             <a:endParaRPr lang="en-NZ" dirty="0"/>
           </a:p>
@@ -15657,7 +15362,7 @@
     </p:spTree>
     <p:extLst>
       <p:ext uri="{BB962C8B-B14F-4D97-AF65-F5344CB8AC3E}">
-        <p14:creationId xmlns:p14="http://schemas.microsoft.com/office/powerpoint/2010/main" val="1206019142"/>
+        <p14:creationId xmlns:p14="http://schemas.microsoft.com/office/powerpoint/2010/main" val="1683283133"/>
       </p:ext>
     </p:extLst>
   </p:cSld>
@@ -15667,7 +15372,7 @@
   <p:timing>
     <p:tnLst>
       <p:par>
-        <p:cTn xmlns:p14="http://schemas.microsoft.com/office/powerpoint/2010/main" id="1" dur="indefinite" restart="never" nodeType="tmRoot"/>
+        <p:cTn id="1" dur="indefinite" restart="never" nodeType="tmRoot"/>
       </p:par>
     </p:tnLst>
   </p:timing>
@@ -15691,63 +15396,33 @@
           <a:chExt cx="0" cy="0"/>
         </a:xfrm>
       </p:grpSpPr>
-      <p:pic>
-        <p:nvPicPr>
-          <p:cNvPr id="8" name="Content Placeholder 3"/>
-          <p:cNvPicPr>
-            <a:picLocks noGrp="1" noChangeAspect="1"/>
-          </p:cNvPicPr>
-          <p:nvPr>
-            <p:ph idx="1"/>
-          </p:nvPr>
-        </p:nvPicPr>
-        <p:blipFill rotWithShape="1">
-          <a:blip r:embed="rId3" cstate="print">
-            <a:extLst>
-              <a:ext uri="{28A0092B-C50C-407E-A947-70E740481C1C}">
-                <a14:useLocalDpi xmlns:a14="http://schemas.microsoft.com/office/drawing/2010/main" val="0"/>
-              </a:ext>
-            </a:extLst>
-          </a:blip>
-          <a:srcRect l="26871" t="23367" r="1203" b="7111"/>
-          <a:stretch/>
-        </p:blipFill>
-        <p:spPr bwMode="auto">
-          <a:xfrm>
-            <a:off x="2239964" y="0"/>
-            <a:ext cx="6904036" cy="5143500"/>
-          </a:xfrm>
-          <a:prstGeom prst="rect">
-            <a:avLst/>
-          </a:prstGeom>
-          <a:ln>
-            <a:noFill/>
-          </a:ln>
-          <a:effectLst/>
-          <a:extLst>
-            <a:ext uri="{909E8E84-426E-40dd-AFC4-6F175D3DCCD1}">
-              <a14:hiddenFill xmlns:a14="http://schemas.microsoft.com/office/drawing/2010/main">
-                <a:solidFill>
-                  <a:schemeClr val="accent1"/>
-                </a:solidFill>
-              </a14:hiddenFill>
-            </a:ext>
-            <a:ext uri="{91240B29-F687-4f45-9708-019B960494DF}">
-              <a14:hiddenLine xmlns:a14="http://schemas.microsoft.com/office/drawing/2010/main" w="9525">
-                <a:solidFill>
-                  <a:schemeClr val="tx1"/>
-                </a:solidFill>
-                <a:miter lim="800000"/>
-                <a:headEnd/>
-                <a:tailEnd/>
-              </a14:hiddenLine>
-            </a:ext>
-          </a:extLst>
-        </p:spPr>
-      </p:pic>
       <p:sp>
         <p:nvSpPr>
-          <p:cNvPr id="5" name="Title 4"/>
+          <p:cNvPr id="5" name="Slide Number Placeholder 4"/>
+          <p:cNvSpPr>
+            <a:spLocks noGrp="1"/>
+          </p:cNvSpPr>
+          <p:nvPr>
+            <p:ph type="sldNum" sz="quarter" idx="11"/>
+          </p:nvPr>
+        </p:nvSpPr>
+        <p:spPr/>
+        <p:txBody>
+          <a:bodyPr/>
+          <a:lstStyle/>
+          <a:p>
+            <a:fld id="{CC2341E0-2A5D-464C-855A-DD777202BE4C}" type="slidenum">
+              <a:rPr lang="en-NZ" smtClean="0"/>
+              <a:pPr/>
+              <a:t>7</a:t>
+            </a:fld>
+            <a:endParaRPr lang="en-NZ" dirty="0"/>
+          </a:p>
+        </p:txBody>
+      </p:sp>
+      <p:sp>
+        <p:nvSpPr>
+          <p:cNvPr id="6" name="Title 5"/>
           <p:cNvSpPr>
             <a:spLocks noGrp="1"/>
           </p:cNvSpPr>
@@ -15755,356 +15430,17 @@
             <p:ph type="title"/>
           </p:nvPr>
         </p:nvSpPr>
-        <p:spPr>
-          <a:xfrm>
-            <a:off x="211138" y="431800"/>
-            <a:ext cx="1812528" cy="973138"/>
-          </a:xfrm>
-        </p:spPr>
+        <p:spPr/>
         <p:txBody>
           <a:bodyPr/>
           <a:lstStyle/>
           <a:p>
-            <a:r>
-              <a:rPr lang="en-NZ" dirty="0" err="1"/>
-              <a:t>FitzRoy</a:t>
-            </a:r>
-            <a:r>
-              <a:rPr lang="en-NZ" dirty="0"/>
-              <a:t>,</a:t>
-            </a:r>
-            <a:br>
-              <a:rPr lang="en-NZ" dirty="0"/>
-            </a:br>
-            <a:r>
-              <a:rPr lang="en-NZ" dirty="0" err="1"/>
-              <a:t>NeSI</a:t>
-            </a:r>
-            <a:r>
-              <a:rPr lang="en-NZ" dirty="0"/>
-              <a:t> @ NIWA</a:t>
-            </a:r>
-            <a:br>
-              <a:rPr lang="en-NZ" dirty="0"/>
-            </a:br>
-            <a:r>
-              <a:rPr lang="en-NZ" dirty="0"/>
-              <a:t/>
-            </a:r>
-            <a:br>
-              <a:rPr lang="en-NZ" dirty="0"/>
-            </a:br>
+            <a:pPr marL="0" indent="0" defTabSz="447675"/>
+            <a:r>
+              <a:rPr lang="en-NZ" dirty="0" smtClean="0"/>
+              <a:t>Most time is spent in tsteppP3 and tstepvP3</a:t>
+            </a:r>
             <a:endParaRPr lang="en-NZ" dirty="0"/>
-          </a:p>
-        </p:txBody>
-      </p:sp>
-      <p:sp>
-        <p:nvSpPr>
-          <p:cNvPr id="3" name="Slide Number Placeholder 2"/>
-          <p:cNvSpPr>
-            <a:spLocks noGrp="1"/>
-          </p:cNvSpPr>
-          <p:nvPr>
-            <p:ph type="sldNum" sz="quarter" idx="12"/>
-          </p:nvPr>
-        </p:nvSpPr>
-        <p:spPr>
-          <a:xfrm>
-            <a:off x="8695765" y="4875493"/>
-            <a:ext cx="231284" cy="129828"/>
-          </a:xfrm>
-        </p:spPr>
-        <p:txBody>
-          <a:bodyPr/>
-          <a:lstStyle/>
-          <a:p>
-            <a:fld id="{DA169597-45FD-48FB-A612-024FC3ACB8EE}" type="slidenum">
-              <a:rPr lang="en-NZ" smtClean="0"/>
-              <a:pPr/>
-              <a:t>7</a:t>
-            </a:fld>
-            <a:endParaRPr lang="en-NZ" dirty="0"/>
-          </a:p>
-        </p:txBody>
-      </p:sp>
-      <p:sp>
-        <p:nvSpPr>
-          <p:cNvPr id="9" name="Oval 8"/>
-          <p:cNvSpPr/>
-          <p:nvPr/>
-        </p:nvSpPr>
-        <p:spPr>
-          <a:xfrm>
-            <a:off x="260748" y="2790825"/>
-            <a:ext cx="1789906" cy="1789906"/>
-          </a:xfrm>
-          <a:prstGeom prst="ellipse">
-            <a:avLst/>
-          </a:prstGeom>
-          <a:solidFill>
-            <a:schemeClr val="bg1"/>
-          </a:solidFill>
-          <a:ln>
-            <a:noFill/>
-          </a:ln>
-        </p:spPr>
-        <p:style>
-          <a:lnRef idx="2">
-            <a:schemeClr val="accent1">
-              <a:shade val="50000"/>
-            </a:schemeClr>
-          </a:lnRef>
-          <a:fillRef idx="1">
-            <a:schemeClr val="accent1"/>
-          </a:fillRef>
-          <a:effectRef idx="0">
-            <a:schemeClr val="accent1"/>
-          </a:effectRef>
-          <a:fontRef idx="minor">
-            <a:schemeClr val="lt1"/>
-          </a:fontRef>
-        </p:style>
-        <p:txBody>
-          <a:bodyPr lIns="0" tIns="0" rIns="0" bIns="0" rtlCol="0" anchor="ctr"/>
-          <a:lstStyle/>
-          <a:p>
-            <a:pPr algn="ctr"/>
-            <a:r>
-              <a:rPr lang="en-NZ" sz="1400" dirty="0" smtClean="0">
-                <a:solidFill>
-                  <a:schemeClr val="accent2"/>
-                </a:solidFill>
-                <a:latin typeface="Lato Black" panose="020F0A02020204030203" pitchFamily="34" charset="0"/>
-              </a:rPr>
-              <a:t>P575/POWER6 SUPER</a:t>
-            </a:r>
-            <a:br>
-              <a:rPr lang="en-NZ" sz="1400" dirty="0" smtClean="0">
-                <a:solidFill>
-                  <a:schemeClr val="accent2"/>
-                </a:solidFill>
-                <a:latin typeface="Lato Black" panose="020F0A02020204030203" pitchFamily="34" charset="0"/>
-              </a:rPr>
-            </a:br>
-            <a:r>
-              <a:rPr lang="en-NZ" sz="1400" dirty="0" smtClean="0">
-                <a:solidFill>
-                  <a:schemeClr val="accent2"/>
-                </a:solidFill>
-                <a:latin typeface="Lato Black" panose="020F0A02020204030203" pitchFamily="34" charset="0"/>
-              </a:rPr>
-              <a:t>COMPUTER</a:t>
-            </a:r>
-            <a:endParaRPr lang="en-US" sz="1400" dirty="0">
-              <a:solidFill>
-                <a:schemeClr val="accent2"/>
-              </a:solidFill>
-              <a:latin typeface="Lato Black" panose="020F0A02020204030203" pitchFamily="34" charset="0"/>
-            </a:endParaRPr>
-          </a:p>
-        </p:txBody>
-      </p:sp>
-      <p:sp>
-        <p:nvSpPr>
-          <p:cNvPr id="10" name="Oval 9"/>
-          <p:cNvSpPr/>
-          <p:nvPr/>
-        </p:nvSpPr>
-        <p:spPr>
-          <a:xfrm>
-            <a:off x="2554685" y="2790825"/>
-            <a:ext cx="1789906" cy="1789906"/>
-          </a:xfrm>
-          <a:prstGeom prst="ellipse">
-            <a:avLst/>
-          </a:prstGeom>
-          <a:solidFill>
-            <a:schemeClr val="bg1"/>
-          </a:solidFill>
-          <a:ln>
-            <a:noFill/>
-          </a:ln>
-        </p:spPr>
-        <p:style>
-          <a:lnRef idx="2">
-            <a:schemeClr val="accent1">
-              <a:shade val="50000"/>
-            </a:schemeClr>
-          </a:lnRef>
-          <a:fillRef idx="1">
-            <a:schemeClr val="accent1"/>
-          </a:fillRef>
-          <a:effectRef idx="0">
-            <a:schemeClr val="accent1"/>
-          </a:effectRef>
-          <a:fontRef idx="minor">
-            <a:schemeClr val="lt1"/>
-          </a:fontRef>
-        </p:style>
-        <p:txBody>
-          <a:bodyPr lIns="0" tIns="0" rIns="0" bIns="0" rtlCol="0" anchor="ctr"/>
-          <a:lstStyle/>
-          <a:p>
-            <a:pPr algn="ctr"/>
-            <a:r>
-              <a:rPr lang="en-NZ" sz="1400" dirty="0">
-                <a:solidFill>
-                  <a:schemeClr val="accent2"/>
-                </a:solidFill>
-                <a:latin typeface="Lato Black" panose="020F0A02020204030203" pitchFamily="34" charset="0"/>
-              </a:rPr>
-              <a:t>CAPABILITY PROFILE</a:t>
-            </a:r>
-          </a:p>
-        </p:txBody>
-      </p:sp>
-      <p:sp>
-        <p:nvSpPr>
-          <p:cNvPr id="14" name="Oval 13"/>
-          <p:cNvSpPr/>
-          <p:nvPr/>
-        </p:nvSpPr>
-        <p:spPr>
-          <a:xfrm>
-            <a:off x="4801394" y="2790825"/>
-            <a:ext cx="1789906" cy="1789906"/>
-          </a:xfrm>
-          <a:prstGeom prst="ellipse">
-            <a:avLst/>
-          </a:prstGeom>
-          <a:solidFill>
-            <a:schemeClr val="bg1"/>
-          </a:solidFill>
-          <a:ln>
-            <a:noFill/>
-          </a:ln>
-        </p:spPr>
-        <p:style>
-          <a:lnRef idx="2">
-            <a:schemeClr val="accent1">
-              <a:shade val="50000"/>
-            </a:schemeClr>
-          </a:lnRef>
-          <a:fillRef idx="1">
-            <a:schemeClr val="accent1"/>
-          </a:fillRef>
-          <a:effectRef idx="0">
-            <a:schemeClr val="accent1"/>
-          </a:effectRef>
-          <a:fontRef idx="minor">
-            <a:schemeClr val="lt1"/>
-          </a:fontRef>
-        </p:style>
-        <p:txBody>
-          <a:bodyPr lIns="0" tIns="0" rIns="0" bIns="0" rtlCol="0" anchor="ctr"/>
-          <a:lstStyle/>
-          <a:p>
-            <a:pPr algn="ctr"/>
-            <a:r>
-              <a:rPr lang="en-NZ" sz="1400" dirty="0">
-                <a:solidFill>
-                  <a:schemeClr val="accent2"/>
-                </a:solidFill>
-                <a:latin typeface="Lato Black" panose="020F0A02020204030203" pitchFamily="34" charset="0"/>
-              </a:rPr>
-              <a:t>OPTIMISED FOR TIGHTLY COUPLED (LARGE) PROBLEMS</a:t>
-            </a:r>
-          </a:p>
-        </p:txBody>
-      </p:sp>
-      <p:sp>
-        <p:nvSpPr>
-          <p:cNvPr id="15" name="Oval 14"/>
-          <p:cNvSpPr/>
-          <p:nvPr/>
-        </p:nvSpPr>
-        <p:spPr>
-          <a:xfrm>
-            <a:off x="7011194" y="2790825"/>
-            <a:ext cx="1789906" cy="1789906"/>
-          </a:xfrm>
-          <a:prstGeom prst="ellipse">
-            <a:avLst/>
-          </a:prstGeom>
-          <a:solidFill>
-            <a:schemeClr val="bg1"/>
-          </a:solidFill>
-          <a:ln>
-            <a:noFill/>
-          </a:ln>
-        </p:spPr>
-        <p:style>
-          <a:lnRef idx="2">
-            <a:schemeClr val="accent1">
-              <a:shade val="50000"/>
-            </a:schemeClr>
-          </a:lnRef>
-          <a:fillRef idx="1">
-            <a:schemeClr val="accent1"/>
-          </a:fillRef>
-          <a:effectRef idx="0">
-            <a:schemeClr val="accent1"/>
-          </a:effectRef>
-          <a:fontRef idx="minor">
-            <a:schemeClr val="lt1"/>
-          </a:fontRef>
-        </p:style>
-        <p:txBody>
-          <a:bodyPr lIns="0" tIns="0" rIns="0" bIns="0" rtlCol="0" anchor="ctr"/>
-          <a:lstStyle/>
-          <a:p>
-            <a:pPr algn="ctr"/>
-            <a:r>
-              <a:rPr lang="en-NZ" sz="1400" dirty="0" smtClean="0">
-                <a:solidFill>
-                  <a:schemeClr val="accent2"/>
-                </a:solidFill>
-                <a:latin typeface="Lato Black" panose="020F0A02020204030203" pitchFamily="34" charset="0"/>
-              </a:rPr>
-              <a:t>OPERATIONA/</a:t>
-            </a:r>
-            <a:r>
-              <a:rPr lang="en-NZ" sz="1400" spc="-80" dirty="0" smtClean="0">
-                <a:solidFill>
-                  <a:schemeClr val="accent2"/>
-                </a:solidFill>
-                <a:latin typeface="Lato Black" panose="020F0A02020204030203" pitchFamily="34" charset="0"/>
-              </a:rPr>
-              <a:t>PRODUCTION-RAS </a:t>
-            </a:r>
-            <a:r>
-              <a:rPr lang="en-NZ" sz="1400" dirty="0" smtClean="0">
-                <a:solidFill>
-                  <a:schemeClr val="accent2"/>
-                </a:solidFill>
-                <a:latin typeface="Lato Black" panose="020F0A02020204030203" pitchFamily="34" charset="0"/>
-              </a:rPr>
-              <a:t> (</a:t>
-            </a:r>
-            <a:r>
-              <a:rPr lang="en-NZ" sz="1400" dirty="0">
-                <a:solidFill>
-                  <a:schemeClr val="accent2"/>
-                </a:solidFill>
-                <a:latin typeface="Lato Black" panose="020F0A02020204030203" pitchFamily="34" charset="0"/>
-              </a:rPr>
-              <a:t>I.E. SUPPORT </a:t>
-            </a:r>
-            <a:r>
-              <a:rPr lang="en-NZ" sz="1400" dirty="0" smtClean="0">
-                <a:solidFill>
-                  <a:schemeClr val="accent2"/>
-                </a:solidFill>
-                <a:latin typeface="Lato Black" panose="020F0A02020204030203" pitchFamily="34" charset="0"/>
-              </a:rPr>
-              <a:t>LEVELS)</a:t>
-            </a:r>
-            <a:endParaRPr lang="en-US" sz="1400" dirty="0">
-              <a:solidFill>
-                <a:schemeClr val="accent2"/>
-              </a:solidFill>
-              <a:latin typeface="Lato Black" panose="020F0A02020204030203" pitchFamily="34" charset="0"/>
-            </a:endParaRPr>
           </a:p>
         </p:txBody>
       </p:sp>
@@ -16115,35 +15451,7 @@
             <a:spLocks noGrp="1"/>
           </p:cNvSpPr>
           <p:nvPr>
-            <p:ph type="ftr" sz="quarter" idx="11"/>
-          </p:nvPr>
-        </p:nvSpPr>
-        <p:spPr>
-          <a:xfrm>
-            <a:off x="2450438" y="4875493"/>
-            <a:ext cx="3133645" cy="129828"/>
-          </a:xfrm>
-        </p:spPr>
-        <p:txBody>
-          <a:bodyPr/>
-          <a:lstStyle/>
-          <a:p>
-            <a:r>
-              <a:rPr lang="en-NZ" smtClean="0"/>
-              <a:t>Growth and  development of future capabilities</a:t>
-            </a:r>
-            <a:endParaRPr lang="en-NZ" dirty="0"/>
-          </a:p>
-        </p:txBody>
-      </p:sp>
-      <p:sp>
-        <p:nvSpPr>
-          <p:cNvPr id="4" name="Date Placeholder 3"/>
-          <p:cNvSpPr>
-            <a:spLocks noGrp="1"/>
-          </p:cNvSpPr>
-          <p:nvPr>
-            <p:ph type="dt" sz="half" idx="10"/>
+            <p:ph type="ftr" sz="quarter" idx="13"/>
           </p:nvPr>
         </p:nvSpPr>
         <p:spPr/>
@@ -16151,18 +15459,71 @@
           <a:bodyPr/>
           <a:lstStyle/>
           <a:p>
-            <a:fld id="{6BDD7E83-F55C-4561-AA69-E254FB93BE55}" type="datetime1">
+            <a:r>
               <a:rPr lang="en-NZ" smtClean="0"/>
-              <a:t>26/06/14</a:t>
+              <a:t>Growth and  development of future capabilities</a:t>
+            </a:r>
+            <a:endParaRPr lang="en-NZ" dirty="0"/>
+          </a:p>
+        </p:txBody>
+      </p:sp>
+      <p:sp>
+        <p:nvSpPr>
+          <p:cNvPr id="3" name="Date Placeholder 2"/>
+          <p:cNvSpPr>
+            <a:spLocks noGrp="1"/>
+          </p:cNvSpPr>
+          <p:nvPr>
+            <p:ph type="dt" sz="half" idx="14"/>
+          </p:nvPr>
+        </p:nvSpPr>
+        <p:spPr/>
+        <p:txBody>
+          <a:bodyPr/>
+          <a:lstStyle/>
+          <a:p>
+            <a:fld id="{F9E6DB96-8045-4F16-B085-AD51FE3EDF10}" type="datetime1">
+              <a:rPr lang="en-NZ" smtClean="0"/>
+              <a:t>20/05/2016</a:t>
             </a:fld>
             <a:endParaRPr lang="en-NZ" dirty="0"/>
           </a:p>
         </p:txBody>
       </p:sp>
+      <p:pic>
+        <p:nvPicPr>
+          <p:cNvPr id="4" name="Picture 3"/>
+          <p:cNvPicPr>
+            <a:picLocks noChangeAspect="1"/>
+          </p:cNvPicPr>
+          <p:nvPr/>
+        </p:nvPicPr>
+        <p:blipFill>
+          <a:blip r:embed="rId3">
+            <a:extLst>
+              <a:ext uri="{28A0092B-C50C-407E-A947-70E740481C1C}">
+                <a14:useLocalDpi xmlns:a14="http://schemas.microsoft.com/office/drawing/2010/main" val="0"/>
+              </a:ext>
+            </a:extLst>
+          </a:blip>
+          <a:stretch>
+            <a:fillRect/>
+          </a:stretch>
+        </p:blipFill>
+        <p:spPr>
+          <a:xfrm>
+            <a:off x="760697" y="1035697"/>
+            <a:ext cx="7786144" cy="7407731"/>
+          </a:xfrm>
+          <a:prstGeom prst="rect">
+            <a:avLst/>
+          </a:prstGeom>
+        </p:spPr>
+      </p:pic>
     </p:spTree>
     <p:extLst>
       <p:ext uri="{BB962C8B-B14F-4D97-AF65-F5344CB8AC3E}">
-        <p14:creationId xmlns:p14="http://schemas.microsoft.com/office/powerpoint/2010/main" val="4163415548"/>
+        <p14:creationId xmlns:p14="http://schemas.microsoft.com/office/powerpoint/2010/main" val="2348236036"/>
       </p:ext>
     </p:extLst>
   </p:cSld>
@@ -16172,78 +15533,7 @@
   <p:timing>
     <p:tnLst>
       <p:par>
-        <p:cTn xmlns:p14="http://schemas.microsoft.com/office/powerpoint/2010/main" id="1" dur="indefinite" restart="never" nodeType="tmRoot">
-          <p:childTnLst>
-            <p:seq concurrent="1" nextAc="seek">
-              <p:cTn id="2" dur="indefinite" nodeType="mainSeq">
-                <p:childTnLst>
-                  <p:par>
-                    <p:cTn id="3" fill="hold">
-                      <p:stCondLst>
-                        <p:cond delay="indefinite"/>
-                        <p:cond evt="onBegin" delay="0">
-                          <p:tn val="2"/>
-                        </p:cond>
-                      </p:stCondLst>
-                      <p:childTnLst>
-                        <p:par>
-                          <p:cTn id="4" fill="hold">
-                            <p:stCondLst>
-                              <p:cond delay="0"/>
-                            </p:stCondLst>
-                            <p:childTnLst>
-                              <p:par>
-                                <p:cTn id="5" presetID="1" presetClass="entr" presetSubtype="0" fill="hold" nodeType="withEffect">
-                                  <p:stCondLst>
-                                    <p:cond delay="0"/>
-                                  </p:stCondLst>
-                                  <p:childTnLst>
-                                    <p:set>
-                                      <p:cBhvr>
-                                        <p:cTn id="6" dur="1" fill="hold">
-                                          <p:stCondLst>
-                                            <p:cond delay="0"/>
-                                          </p:stCondLst>
-                                        </p:cTn>
-                                        <p:tgtEl>
-                                          <p:spTgt spid="8"/>
-                                        </p:tgtEl>
-                                        <p:attrNameLst>
-                                          <p:attrName>style.visibility</p:attrName>
-                                        </p:attrNameLst>
-                                      </p:cBhvr>
-                                      <p:to>
-                                        <p:strVal val="visible"/>
-                                      </p:to>
-                                    </p:set>
-                                  </p:childTnLst>
-                                </p:cTn>
-                              </p:par>
-                            </p:childTnLst>
-                          </p:cTn>
-                        </p:par>
-                      </p:childTnLst>
-                    </p:cTn>
-                  </p:par>
-                </p:childTnLst>
-              </p:cTn>
-              <p:prevCondLst>
-                <p:cond evt="onPrev" delay="0">
-                  <p:tgtEl>
-                    <p:sldTgt/>
-                  </p:tgtEl>
-                </p:cond>
-              </p:prevCondLst>
-              <p:nextCondLst>
-                <p:cond evt="onNext" delay="0">
-                  <p:tgtEl>
-                    <p:sldTgt/>
-                  </p:tgtEl>
-                </p:cond>
-              </p:nextCondLst>
-            </p:seq>
-          </p:childTnLst>
-        </p:cTn>
+        <p:cTn id="1" dur="indefinite" restart="never" nodeType="tmRoot"/>
       </p:par>
     </p:tnLst>
   </p:timing>
@@ -16274,65 +15564,7 @@
             <a:spLocks noGrp="1"/>
           </p:cNvSpPr>
           <p:nvPr>
-            <p:ph type="sldNum" sz="quarter" idx="15"/>
-          </p:nvPr>
-        </p:nvSpPr>
-        <p:spPr>
-          <a:xfrm>
-            <a:off x="8711758" y="4876006"/>
-            <a:ext cx="216024" cy="126763"/>
-          </a:xfrm>
-        </p:spPr>
-        <p:txBody>
-          <a:bodyPr/>
-          <a:lstStyle/>
-          <a:p>
-            <a:fld id="{CC2341E0-2A5D-464C-855A-DD777202BE4C}" type="slidenum">
-              <a:rPr lang="en-NZ" smtClean="0"/>
-              <a:pPr/>
-              <a:t>8</a:t>
-            </a:fld>
-            <a:endParaRPr lang="en-NZ" dirty="0"/>
-          </a:p>
-        </p:txBody>
-      </p:sp>
-      <p:sp>
-        <p:nvSpPr>
-          <p:cNvPr id="6" name="Content Placeholder 5"/>
-          <p:cNvSpPr>
-            <a:spLocks noGrp="1"/>
-          </p:cNvSpPr>
-          <p:nvPr>
-            <p:ph idx="12"/>
-          </p:nvPr>
-        </p:nvSpPr>
-        <p:spPr>
-          <a:xfrm>
-            <a:off x="2453337" y="3218436"/>
-            <a:ext cx="6486456" cy="1115439"/>
-          </a:xfrm>
-        </p:spPr>
-        <p:txBody>
-          <a:bodyPr>
-            <a:noAutofit/>
-          </a:bodyPr>
-          <a:lstStyle/>
-          <a:p>
-            <a:r>
-              <a:rPr lang="en-NZ" dirty="0"/>
-              <a:t>Supporting, growing &amp; developing capability</a:t>
-            </a:r>
-          </a:p>
-        </p:txBody>
-      </p:sp>
-      <p:sp>
-        <p:nvSpPr>
-          <p:cNvPr id="2" name="Footer Placeholder 1"/>
-          <p:cNvSpPr>
-            <a:spLocks noGrp="1"/>
-          </p:cNvSpPr>
-          <p:nvPr>
-            <p:ph type="ftr" sz="quarter" idx="14"/>
+            <p:ph type="sldNum" sz="quarter" idx="11"/>
           </p:nvPr>
         </p:nvSpPr>
         <p:spPr/>
@@ -16340,151 +15572,10 @@
           <a:bodyPr/>
           <a:lstStyle/>
           <a:p>
-            <a:r>
-              <a:rPr lang="en-NZ" smtClean="0"/>
-              <a:t>Growth and  development of future capabilities</a:t>
-            </a:r>
-            <a:endParaRPr lang="en-NZ" dirty="0"/>
-          </a:p>
-        </p:txBody>
-      </p:sp>
-      <p:sp>
-        <p:nvSpPr>
-          <p:cNvPr id="3" name="Date Placeholder 2"/>
-          <p:cNvSpPr>
-            <a:spLocks noGrp="1"/>
-          </p:cNvSpPr>
-          <p:nvPr>
-            <p:ph type="dt" sz="half" idx="13"/>
-          </p:nvPr>
-        </p:nvSpPr>
-        <p:spPr/>
-        <p:txBody>
-          <a:bodyPr/>
-          <a:lstStyle/>
-          <a:p>
-            <a:fld id="{AA2C9C32-2A66-40E3-BEA5-5D8998E77048}" type="datetime1">
-              <a:rPr lang="en-NZ" smtClean="0"/>
-              <a:t>26/06/14</a:t>
-            </a:fld>
-            <a:endParaRPr lang="en-NZ" dirty="0"/>
-          </a:p>
-        </p:txBody>
-      </p:sp>
-    </p:spTree>
-    <p:extLst>
-      <p:ext uri="{BB962C8B-B14F-4D97-AF65-F5344CB8AC3E}">
-        <p14:creationId xmlns:p14="http://schemas.microsoft.com/office/powerpoint/2010/main" val="2096484260"/>
-      </p:ext>
-    </p:extLst>
-  </p:cSld>
-  <p:clrMapOvr>
-    <a:masterClrMapping/>
-  </p:clrMapOvr>
-  <p:timing>
-    <p:tnLst>
-      <p:par>
-        <p:cTn xmlns:p14="http://schemas.microsoft.com/office/powerpoint/2010/main" id="1" dur="indefinite" restart="never" nodeType="tmRoot"/>
-      </p:par>
-    </p:tnLst>
-  </p:timing>
-</p:sld>
-</file>
-
-<file path=ppt/slides/slide9.xml><?xml version="1.0" encoding="utf-8"?>
-<p:sld xmlns:a="http://schemas.openxmlformats.org/drawingml/2006/main" xmlns:r="http://schemas.openxmlformats.org/officeDocument/2006/relationships" xmlns:p="http://schemas.openxmlformats.org/presentationml/2006/main">
-  <p:cSld>
-    <p:spTree>
-      <p:nvGrpSpPr>
-        <p:cNvPr id="1" name=""/>
-        <p:cNvGrpSpPr/>
-        <p:nvPr/>
-      </p:nvGrpSpPr>
-      <p:grpSpPr>
-        <a:xfrm>
-          <a:off x="0" y="0"/>
-          <a:ext cx="0" cy="0"/>
-          <a:chOff x="0" y="0"/>
-          <a:chExt cx="0" cy="0"/>
-        </a:xfrm>
-      </p:grpSpPr>
-      <p:sp>
-        <p:nvSpPr>
-          <p:cNvPr id="7" name="Content Placeholder 6"/>
-          <p:cNvSpPr>
-            <a:spLocks noGrp="1"/>
-          </p:cNvSpPr>
-          <p:nvPr>
-            <p:ph idx="1"/>
-          </p:nvPr>
-        </p:nvSpPr>
-        <p:spPr/>
-        <p:txBody>
-          <a:bodyPr>
-            <a:noAutofit/>
-          </a:bodyPr>
-          <a:lstStyle/>
-          <a:p>
-            <a:pPr marL="361950" indent="-361950">
-              <a:buFont typeface="+mj-lt"/>
-              <a:buAutoNum type="arabicPeriod"/>
-            </a:pPr>
-            <a:r>
-              <a:rPr lang="en-US" dirty="0"/>
-              <a:t>Sponsorship required by research leaders</a:t>
-            </a:r>
-          </a:p>
-          <a:p>
-            <a:pPr marL="361950" indent="-361950">
-              <a:buFont typeface="+mj-lt"/>
-              <a:buAutoNum type="arabicPeriod"/>
-            </a:pPr>
-            <a:r>
-              <a:rPr lang="en-US" dirty="0"/>
-              <a:t>Deep engagement required with research communities</a:t>
-            </a:r>
-          </a:p>
-          <a:p>
-            <a:pPr marL="361950" indent="-361950">
-              <a:buFont typeface="+mj-lt"/>
-              <a:buAutoNum type="arabicPeriod"/>
-            </a:pPr>
-            <a:r>
-              <a:rPr lang="en-US" dirty="0"/>
-              <a:t>Long term planning required to reach alignment between research needs and future </a:t>
-            </a:r>
-            <a:r>
-              <a:rPr lang="en-US" dirty="0" smtClean="0"/>
-              <a:t>infrastructure</a:t>
-            </a:r>
-            <a:endParaRPr lang="en-US" dirty="0"/>
-          </a:p>
-        </p:txBody>
-      </p:sp>
-      <p:sp>
-        <p:nvSpPr>
-          <p:cNvPr id="5" name="Slide Number Placeholder 4"/>
-          <p:cNvSpPr>
-            <a:spLocks noGrp="1"/>
-          </p:cNvSpPr>
-          <p:nvPr>
-            <p:ph type="sldNum" sz="quarter" idx="15"/>
-          </p:nvPr>
-        </p:nvSpPr>
-        <p:spPr>
-          <a:xfrm>
-            <a:off x="8711758" y="4876006"/>
-            <a:ext cx="216024" cy="126763"/>
-          </a:xfrm>
-        </p:spPr>
-        <p:txBody>
-          <a:bodyPr/>
-          <a:lstStyle/>
-          <a:p>
             <a:fld id="{CC2341E0-2A5D-464C-855A-DD777202BE4C}" type="slidenum">
               <a:rPr lang="en-NZ" smtClean="0"/>
               <a:pPr/>
-              <a:t>9</a:t>
+              <a:t>8</a:t>
             </a:fld>
             <a:endParaRPr lang="en-NZ" dirty="0"/>
           </a:p>
@@ -16505,291 +15596,160 @@
           <a:bodyPr/>
           <a:lstStyle/>
           <a:p>
-            <a:r>
-              <a:rPr lang="en-US" spc="-40" dirty="0"/>
-              <a:t>Joint planning for future infrastructure and skills</a:t>
-            </a:r>
-            <a:endParaRPr lang="en-NZ" spc="-40" dirty="0"/>
+            <a:pPr marL="0" indent="0" defTabSz="447675"/>
+            <a:r>
+              <a:rPr lang="en-NZ" dirty="0" smtClean="0"/>
+              <a:t>Some processes work harder than others</a:t>
+            </a:r>
+            <a:endParaRPr lang="en-NZ" dirty="0"/>
           </a:p>
         </p:txBody>
       </p:sp>
       <p:sp>
         <p:nvSpPr>
-          <p:cNvPr id="9" name="Content Placeholder 6"/>
-          <p:cNvSpPr txBox="1">
-            <a:spLocks/>
+          <p:cNvPr id="2" name="Footer Placeholder 1"/>
+          <p:cNvSpPr>
+            <a:spLocks noGrp="1"/>
           </p:cNvSpPr>
+          <p:nvPr>
+            <p:ph type="ftr" sz="quarter" idx="13"/>
+          </p:nvPr>
+        </p:nvSpPr>
+        <p:spPr/>
+        <p:txBody>
+          <a:bodyPr/>
+          <a:lstStyle/>
+          <a:p>
+            <a:r>
+              <a:rPr lang="en-NZ" smtClean="0"/>
+              <a:t>Growth and  development of future capabilities</a:t>
+            </a:r>
+            <a:endParaRPr lang="en-NZ" dirty="0"/>
+          </a:p>
+        </p:txBody>
+      </p:sp>
+      <p:sp>
+        <p:nvSpPr>
+          <p:cNvPr id="3" name="Date Placeholder 2"/>
+          <p:cNvSpPr>
+            <a:spLocks noGrp="1"/>
+          </p:cNvSpPr>
+          <p:nvPr>
+            <p:ph type="dt" sz="half" idx="14"/>
+          </p:nvPr>
+        </p:nvSpPr>
+        <p:spPr/>
+        <p:txBody>
+          <a:bodyPr/>
+          <a:lstStyle/>
+          <a:p>
+            <a:fld id="{F9E6DB96-8045-4F16-B085-AD51FE3EDF10}" type="datetime1">
+              <a:rPr lang="en-NZ" smtClean="0"/>
+              <a:t>20/05/2016</a:t>
+            </a:fld>
+            <a:endParaRPr lang="en-NZ" dirty="0"/>
+          </a:p>
+        </p:txBody>
+      </p:sp>
+      <p:pic>
+        <p:nvPicPr>
+          <p:cNvPr id="7" name="Picture 6"/>
+          <p:cNvPicPr>
+            <a:picLocks noChangeAspect="1"/>
+          </p:cNvPicPr>
           <p:nvPr/>
-        </p:nvSpPr>
+        </p:nvPicPr>
+        <p:blipFill>
+          <a:blip r:embed="rId3">
+            <a:extLst>
+              <a:ext uri="{28A0092B-C50C-407E-A947-70E740481C1C}">
+                <a14:useLocalDpi xmlns:a14="http://schemas.microsoft.com/office/drawing/2010/main" val="0"/>
+              </a:ext>
+            </a:extLst>
+          </a:blip>
+          <a:stretch>
+            <a:fillRect/>
+          </a:stretch>
+        </p:blipFill>
         <p:spPr>
           <a:xfrm>
-            <a:off x="4683125" y="1378744"/>
-            <a:ext cx="4256088" cy="1821656"/>
+            <a:off x="936858" y="979715"/>
+            <a:ext cx="7016960" cy="5143500"/>
           </a:xfrm>
           <a:prstGeom prst="rect">
             <a:avLst/>
           </a:prstGeom>
         </p:spPr>
-        <p:txBody>
-          <a:bodyPr vert="horz" lIns="0" tIns="0" rIns="0" bIns="0" rtlCol="0" anchor="t" anchorCtr="0">
-            <a:noAutofit/>
-          </a:bodyPr>
-          <a:lstStyle>
-            <a:lvl1pPr marL="342900" indent="-342900" algn="l" defTabSz="914400" rtl="0" eaLnBrk="1" latinLnBrk="0" hangingPunct="1">
-              <a:lnSpc>
-                <a:spcPts val="2400"/>
-              </a:lnSpc>
-              <a:spcBef>
-                <a:spcPct val="20000"/>
-              </a:spcBef>
-              <a:buFont typeface="Arial" panose="020B0604020202020204" pitchFamily="34" charset="0"/>
-              <a:buChar char="•"/>
-              <a:defRPr sz="2400" kern="1200">
-                <a:solidFill>
-                  <a:schemeClr val="tx1"/>
-                </a:solidFill>
-                <a:latin typeface="+mn-lt"/>
-                <a:ea typeface="+mn-ea"/>
-                <a:cs typeface="+mn-cs"/>
-              </a:defRPr>
-            </a:lvl1pPr>
-            <a:lvl2pPr marL="742950" indent="-285750" algn="l" defTabSz="914400" rtl="0" eaLnBrk="1" latinLnBrk="0" hangingPunct="1">
-              <a:lnSpc>
-                <a:spcPts val="2400"/>
-              </a:lnSpc>
-              <a:spcBef>
-                <a:spcPct val="20000"/>
-              </a:spcBef>
-              <a:buFont typeface="Arial" panose="020B0604020202020204" pitchFamily="34" charset="0"/>
-              <a:buChar char="–"/>
-              <a:defRPr sz="2400" kern="1200">
-                <a:solidFill>
-                  <a:schemeClr val="tx1"/>
-                </a:solidFill>
-                <a:latin typeface="+mn-lt"/>
-                <a:ea typeface="+mn-ea"/>
-                <a:cs typeface="+mn-cs"/>
-              </a:defRPr>
-            </a:lvl2pPr>
-            <a:lvl3pPr marL="1143000" indent="-228600" algn="l" defTabSz="914400" rtl="0" eaLnBrk="1" latinLnBrk="0" hangingPunct="1">
-              <a:lnSpc>
-                <a:spcPts val="2400"/>
-              </a:lnSpc>
-              <a:spcBef>
-                <a:spcPct val="20000"/>
-              </a:spcBef>
-              <a:buFont typeface="Arial" panose="020B0604020202020204" pitchFamily="34" charset="0"/>
-              <a:buChar char="•"/>
-              <a:defRPr sz="2400" kern="1200">
-                <a:solidFill>
-                  <a:schemeClr val="tx1"/>
-                </a:solidFill>
-                <a:latin typeface="+mn-lt"/>
-                <a:ea typeface="+mn-ea"/>
-                <a:cs typeface="+mn-cs"/>
-              </a:defRPr>
-            </a:lvl3pPr>
-            <a:lvl4pPr marL="1600200" indent="-228600" algn="l" defTabSz="914400" rtl="0" eaLnBrk="1" latinLnBrk="0" hangingPunct="1">
-              <a:lnSpc>
-                <a:spcPts val="2400"/>
-              </a:lnSpc>
-              <a:spcBef>
-                <a:spcPct val="20000"/>
-              </a:spcBef>
-              <a:buFont typeface="Arial" panose="020B0604020202020204" pitchFamily="34" charset="0"/>
-              <a:buChar char="–"/>
-              <a:defRPr sz="2400" kern="1200">
-                <a:solidFill>
-                  <a:schemeClr val="tx1"/>
-                </a:solidFill>
-                <a:latin typeface="+mn-lt"/>
-                <a:ea typeface="+mn-ea"/>
-                <a:cs typeface="+mn-cs"/>
-              </a:defRPr>
-            </a:lvl4pPr>
-            <a:lvl5pPr marL="2057400" indent="-228600" algn="l" defTabSz="914400" rtl="0" eaLnBrk="1" latinLnBrk="0" hangingPunct="1">
-              <a:lnSpc>
-                <a:spcPts val="2400"/>
-              </a:lnSpc>
-              <a:spcBef>
-                <a:spcPct val="20000"/>
-              </a:spcBef>
-              <a:buFont typeface="Arial" panose="020B0604020202020204" pitchFamily="34" charset="0"/>
-              <a:buChar char="»"/>
-              <a:defRPr sz="2400" kern="1200">
-                <a:solidFill>
-                  <a:schemeClr val="tx1"/>
-                </a:solidFill>
-                <a:latin typeface="+mn-lt"/>
-                <a:ea typeface="+mn-ea"/>
-                <a:cs typeface="+mn-cs"/>
-              </a:defRPr>
-            </a:lvl5pPr>
-            <a:lvl6pPr marL="2514600" indent="-228600" algn="l" defTabSz="914400" rtl="0" eaLnBrk="1" latinLnBrk="0" hangingPunct="1">
-              <a:spcBef>
-                <a:spcPct val="20000"/>
-              </a:spcBef>
-              <a:buFont typeface="Arial" panose="020B0604020202020204" pitchFamily="34" charset="0"/>
-              <a:buChar char="•"/>
-              <a:defRPr sz="2000" kern="1200">
-                <a:solidFill>
-                  <a:schemeClr val="tx1"/>
-                </a:solidFill>
-                <a:latin typeface="+mn-lt"/>
-                <a:ea typeface="+mn-ea"/>
-                <a:cs typeface="+mn-cs"/>
-              </a:defRPr>
-            </a:lvl6pPr>
-            <a:lvl7pPr marL="2971800" indent="-228600" algn="l" defTabSz="914400" rtl="0" eaLnBrk="1" latinLnBrk="0" hangingPunct="1">
-              <a:spcBef>
-                <a:spcPct val="20000"/>
-              </a:spcBef>
-              <a:buFont typeface="Arial" panose="020B0604020202020204" pitchFamily="34" charset="0"/>
-              <a:buChar char="•"/>
-              <a:defRPr sz="2000" kern="1200">
-                <a:solidFill>
-                  <a:schemeClr val="tx1"/>
-                </a:solidFill>
-                <a:latin typeface="+mn-lt"/>
-                <a:ea typeface="+mn-ea"/>
-                <a:cs typeface="+mn-cs"/>
-              </a:defRPr>
-            </a:lvl7pPr>
-            <a:lvl8pPr marL="3429000" indent="-228600" algn="l" defTabSz="914400" rtl="0" eaLnBrk="1" latinLnBrk="0" hangingPunct="1">
-              <a:spcBef>
-                <a:spcPct val="20000"/>
-              </a:spcBef>
-              <a:buFont typeface="Arial" panose="020B0604020202020204" pitchFamily="34" charset="0"/>
-              <a:buChar char="•"/>
-              <a:defRPr sz="2000" kern="1200">
-                <a:solidFill>
-                  <a:schemeClr val="tx1"/>
-                </a:solidFill>
-                <a:latin typeface="+mn-lt"/>
-                <a:ea typeface="+mn-ea"/>
-                <a:cs typeface="+mn-cs"/>
-              </a:defRPr>
-            </a:lvl8pPr>
-            <a:lvl9pPr marL="3886200" indent="-228600" algn="l" defTabSz="914400" rtl="0" eaLnBrk="1" latinLnBrk="0" hangingPunct="1">
-              <a:spcBef>
-                <a:spcPct val="20000"/>
-              </a:spcBef>
-              <a:buFont typeface="Arial" panose="020B0604020202020204" pitchFamily="34" charset="0"/>
-              <a:buChar char="•"/>
-              <a:defRPr sz="2000" kern="1200">
-                <a:solidFill>
-                  <a:schemeClr val="tx1"/>
-                </a:solidFill>
-                <a:latin typeface="+mn-lt"/>
-                <a:ea typeface="+mn-ea"/>
-                <a:cs typeface="+mn-cs"/>
-              </a:defRPr>
-            </a:lvl9pPr>
-          </a:lstStyle>
-          <a:p>
-            <a:pPr marL="361950" indent="-361950">
-              <a:buFont typeface="+mj-lt"/>
-              <a:buAutoNum type="arabicPeriod" startAt="4"/>
-            </a:pPr>
-            <a:r>
-              <a:rPr lang="en-US" sz="2200" dirty="0" smtClean="0"/>
-              <a:t>Ongoing collaboration required to ensure performance of </a:t>
-            </a:r>
-            <a:br>
-              <a:rPr lang="en-US" sz="2200" dirty="0" smtClean="0"/>
-            </a:br>
-            <a:r>
-              <a:rPr lang="en-US" sz="2200" dirty="0" smtClean="0"/>
-              <a:t>infrastructure and translation </a:t>
-            </a:r>
-            <a:br>
-              <a:rPr lang="en-US" sz="2200" dirty="0" smtClean="0"/>
-            </a:br>
-            <a:r>
-              <a:rPr lang="en-US" sz="2200" dirty="0" smtClean="0"/>
-              <a:t>of skills</a:t>
-            </a:r>
-          </a:p>
-          <a:p>
-            <a:pPr marL="0" indent="0">
-              <a:buNone/>
-            </a:pPr>
-            <a:endParaRPr lang="en-US" dirty="0"/>
-          </a:p>
-        </p:txBody>
-      </p:sp>
+      </p:pic>
       <p:sp>
         <p:nvSpPr>
-          <p:cNvPr id="4" name="Oval 3"/>
+          <p:cNvPr id="8" name="Right Brace 7"/>
           <p:cNvSpPr/>
           <p:nvPr/>
         </p:nvSpPr>
         <p:spPr>
           <a:xfrm>
-            <a:off x="5916216" y="2666603"/>
-            <a:ext cx="1789906" cy="1789906"/>
+            <a:off x="6764104" y="3060441"/>
+            <a:ext cx="45719" cy="429208"/>
           </a:xfrm>
-          <a:prstGeom prst="ellipse">
+          <a:prstGeom prst="rightBrace">
             <a:avLst/>
           </a:prstGeom>
-          <a:solidFill>
-            <a:schemeClr val="accent6"/>
-          </a:solidFill>
-          <a:ln>
-            <a:noFill/>
-          </a:ln>
         </p:spPr>
         <p:style>
-          <a:lnRef idx="2">
-            <a:schemeClr val="accent1">
-              <a:shade val="50000"/>
-            </a:schemeClr>
+          <a:lnRef idx="1">
+            <a:schemeClr val="accent1"/>
           </a:lnRef>
-          <a:fillRef idx="1">
+          <a:fillRef idx="0">
             <a:schemeClr val="accent1"/>
           </a:fillRef>
           <a:effectRef idx="0">
             <a:schemeClr val="accent1"/>
           </a:effectRef>
           <a:fontRef idx="minor">
-            <a:schemeClr val="lt1"/>
+            <a:schemeClr val="tx1"/>
           </a:fontRef>
         </p:style>
         <p:txBody>
-          <a:bodyPr lIns="0" tIns="0" rIns="0" bIns="0" rtlCol="0" anchor="ctr"/>
+          <a:bodyPr rtlCol="0" anchor="ctr"/>
           <a:lstStyle/>
           <a:p>
             <a:pPr algn="ctr"/>
-            <a:r>
-              <a:rPr lang="en-US" sz="2000" spc="-100" dirty="0" smtClean="0"/>
-              <a:t>LET’S KEEP </a:t>
-            </a:r>
-            <a:r>
-              <a:rPr lang="en-US" sz="2000" b="1" spc="-100" dirty="0" smtClean="0"/>
-              <a:t>TALKING</a:t>
-            </a:r>
-            <a:endParaRPr lang="en-US" sz="2000" b="1" spc="-100" dirty="0"/>
+            <a:endParaRPr lang="en-NZ" b="1" dirty="0">
+              <a:solidFill>
+                <a:schemeClr val="tx2">
+                  <a:lumMod val="50000"/>
+                </a:schemeClr>
+              </a:solidFill>
+            </a:endParaRPr>
           </a:p>
         </p:txBody>
       </p:sp>
       <p:sp>
         <p:nvSpPr>
-          <p:cNvPr id="3" name="Footer Placeholder 2"/>
-          <p:cNvSpPr>
-            <a:spLocks noGrp="1"/>
-          </p:cNvSpPr>
-          <p:nvPr>
-            <p:ph type="ftr" sz="quarter" idx="14"/>
-          </p:nvPr>
+          <p:cNvPr id="9" name="TextBox 8"/>
+          <p:cNvSpPr txBox="1"/>
+          <p:nvPr/>
         </p:nvSpPr>
-        <p:spPr/>
+        <p:spPr>
+          <a:xfrm>
+            <a:off x="6898394" y="3144811"/>
+            <a:ext cx="1338828" cy="369332"/>
+          </a:xfrm>
+          <a:prstGeom prst="rect">
+            <a:avLst/>
+          </a:prstGeom>
+          <a:noFill/>
+        </p:spPr>
         <p:txBody>
-          <a:bodyPr/>
+          <a:bodyPr wrap="none" rtlCol="0">
+            <a:spAutoFit/>
+          </a:bodyPr>
           <a:lstStyle/>
           <a:p>
             <a:r>
-              <a:rPr lang="en-NZ" smtClean="0"/>
-              <a:t>Growth and  development of future capabilities</a:t>
+              <a:rPr lang="en-NZ" dirty="0" smtClean="0"/>
+              <a:t>Heavy load</a:t>
             </a:r>
             <a:endParaRPr lang="en-NZ" dirty="0"/>
           </a:p>
@@ -16797,23 +15757,68 @@
       </p:sp>
       <p:sp>
         <p:nvSpPr>
-          <p:cNvPr id="8" name="Date Placeholder 7"/>
-          <p:cNvSpPr>
-            <a:spLocks noGrp="1"/>
-          </p:cNvSpPr>
-          <p:nvPr>
-            <p:ph type="dt" sz="half" idx="13"/>
-          </p:nvPr>
+          <p:cNvPr id="10" name="Right Brace 9"/>
+          <p:cNvSpPr/>
+          <p:nvPr/>
         </p:nvSpPr>
-        <p:spPr/>
+        <p:spPr>
+          <a:xfrm flipH="1">
+            <a:off x="6764104" y="2491273"/>
+            <a:ext cx="45719" cy="401217"/>
+          </a:xfrm>
+          <a:prstGeom prst="rightBrace">
+            <a:avLst/>
+          </a:prstGeom>
+        </p:spPr>
+        <p:style>
+          <a:lnRef idx="1">
+            <a:schemeClr val="accent1"/>
+          </a:lnRef>
+          <a:fillRef idx="0">
+            <a:schemeClr val="accent1"/>
+          </a:fillRef>
+          <a:effectRef idx="0">
+            <a:schemeClr val="accent1"/>
+          </a:effectRef>
+          <a:fontRef idx="minor">
+            <a:schemeClr val="tx1"/>
+          </a:fontRef>
+        </p:style>
         <p:txBody>
-          <a:bodyPr/>
+          <a:bodyPr rtlCol="0" anchor="ctr"/>
           <a:lstStyle/>
           <a:p>
-            <a:fld id="{56625F73-3FD6-489E-92E3-D93534AF8707}" type="datetime1">
-              <a:rPr lang="en-NZ" smtClean="0"/>
-              <a:t>26/06/14</a:t>
-            </a:fld>
+            <a:pPr algn="ctr"/>
+            <a:endParaRPr lang="en-NZ"/>
+          </a:p>
+        </p:txBody>
+      </p:sp>
+      <p:sp>
+        <p:nvSpPr>
+          <p:cNvPr id="11" name="TextBox 10"/>
+          <p:cNvSpPr txBox="1"/>
+          <p:nvPr/>
+        </p:nvSpPr>
+        <p:spPr>
+          <a:xfrm>
+            <a:off x="7052282" y="2523158"/>
+            <a:ext cx="1184940" cy="369332"/>
+          </a:xfrm>
+          <a:prstGeom prst="rect">
+            <a:avLst/>
+          </a:prstGeom>
+          <a:noFill/>
+        </p:spPr>
+        <p:txBody>
+          <a:bodyPr wrap="none" rtlCol="0">
+            <a:spAutoFit/>
+          </a:bodyPr>
+          <a:lstStyle/>
+          <a:p>
+            <a:r>
+              <a:rPr lang="en-NZ" dirty="0" smtClean="0"/>
+              <a:t>Light load</a:t>
+            </a:r>
             <a:endParaRPr lang="en-NZ" dirty="0"/>
           </a:p>
         </p:txBody>
@@ -16821,7 +15826,7 @@
     </p:spTree>
     <p:extLst>
       <p:ext uri="{BB962C8B-B14F-4D97-AF65-F5344CB8AC3E}">
-        <p14:creationId xmlns:p14="http://schemas.microsoft.com/office/powerpoint/2010/main" val="1299845491"/>
+        <p14:creationId xmlns:p14="http://schemas.microsoft.com/office/powerpoint/2010/main" val="814639870"/>
       </p:ext>
     </p:extLst>
   </p:cSld>
@@ -16831,7 +15836,7 @@
   <p:timing>
     <p:tnLst>
       <p:par>
-        <p:cTn xmlns:p14="http://schemas.microsoft.com/office/powerpoint/2010/main" id="1" dur="indefinite" restart="never" nodeType="tmRoot"/>
+        <p:cTn id="1" dur="indefinite" restart="never" nodeType="tmRoot"/>
       </p:par>
     </p:tnLst>
   </p:timing>
